--- a/files/HotICE12_VirtualSwitching_slides.pptx
+++ b/files/HotICE12_VirtualSwitching_slides.pptx
@@ -132,13 +132,24 @@
 
 <file path=ppt/charts/chart1.xml><?xml version="1.0" encoding="utf-8"?>
 <c:chartSpace xmlns:c="http://schemas.openxmlformats.org/drawingml/2006/chart" xmlns:a="http://schemas.openxmlformats.org/drawingml/2006/main" xmlns:r="http://schemas.openxmlformats.org/officeDocument/2006/relationships">
-  <c:lang val="zh-CN"/>
+  <c:date1904 val="0"/>
+  <c:lang val="en-US"/>
+  <c:roundedCorners val="0"/>
+  <mc:AlternateContent xmlns:mc="http://schemas.openxmlformats.org/markup-compatibility/2006">
+    <mc:Choice xmlns:c14="http://schemas.microsoft.com/office/drawing/2007/8/2/chart" Requires="c14">
+      <c14:style val="102"/>
+    </mc:Choice>
+    <mc:Fallback>
+      <c:style val="2"/>
+    </mc:Fallback>
+  </mc:AlternateContent>
   <c:chart>
     <c:autoTitleDeleted val="1"/>
     <c:plotArea>
       <c:layout/>
       <c:lineChart>
         <c:grouping val="standard"/>
+        <c:varyColors val="0"/>
         <c:ser>
           <c:idx val="0"/>
           <c:order val="0"/>
@@ -149,28 +160,28 @@
                 <c:formatCode>General</c:formatCode>
                 <c:ptCount val="8"/>
                 <c:pt idx="0">
-                  <c:v>4</c:v>
+                  <c:v>4.0</c:v>
                 </c:pt>
                 <c:pt idx="1">
-                  <c:v>8</c:v>
+                  <c:v>8.0</c:v>
                 </c:pt>
                 <c:pt idx="2">
-                  <c:v>16</c:v>
+                  <c:v>16.0</c:v>
                 </c:pt>
                 <c:pt idx="3">
-                  <c:v>32</c:v>
+                  <c:v>32.0</c:v>
                 </c:pt>
                 <c:pt idx="4">
-                  <c:v>64</c:v>
+                  <c:v>64.0</c:v>
                 </c:pt>
                 <c:pt idx="5">
-                  <c:v>128</c:v>
+                  <c:v>128.0</c:v>
                 </c:pt>
                 <c:pt idx="6">
-                  <c:v>256</c:v>
+                  <c:v>256.0</c:v>
                 </c:pt>
                 <c:pt idx="7">
-                  <c:v>512</c:v>
+                  <c:v>512.0</c:v>
                 </c:pt>
               </c:numCache>
             </c:numRef>
@@ -182,13 +193,13 @@
                 <c:formatCode>General</c:formatCode>
                 <c:ptCount val="8"/>
                 <c:pt idx="0">
-                  <c:v>31.419999999999987</c:v>
+                  <c:v>31.41999999999999</c:v>
                 </c:pt>
                 <c:pt idx="1">
                   <c:v>62.47</c:v>
                 </c:pt>
                 <c:pt idx="2">
-                  <c:v>134.70999999999998</c:v>
+                  <c:v>134.71</c:v>
                 </c:pt>
                 <c:pt idx="3">
                   <c:v>261.76</c:v>
@@ -208,18 +219,28 @@
               </c:numCache>
             </c:numRef>
           </c:val>
+          <c:smooth val="0"/>
         </c:ser>
-        <c:dLbls/>
+        <c:dLbls>
+          <c:showLegendKey val="0"/>
+          <c:showVal val="0"/>
+          <c:showCatName val="0"/>
+          <c:showSerName val="0"/>
+          <c:showPercent val="0"/>
+          <c:showBubbleSize val="0"/>
+        </c:dLbls>
         <c:hiLowLines/>
         <c:marker val="1"/>
-        <c:axId val="53188480"/>
-        <c:axId val="53409664"/>
+        <c:smooth val="0"/>
+        <c:axId val="2064651288"/>
+        <c:axId val="-2110422472"/>
       </c:lineChart>
       <c:catAx>
-        <c:axId val="53188480"/>
+        <c:axId val="2064651288"/>
         <c:scaling>
           <c:orientation val="minMax"/>
         </c:scaling>
+        <c:delete val="0"/>
         <c:axPos val="b"/>
         <c:title>
           <c:tx>
@@ -246,9 +267,12 @@
               </a:p>
             </c:rich>
           </c:tx>
+          <c:layout/>
+          <c:overlay val="0"/>
         </c:title>
         <c:numFmt formatCode="General" sourceLinked="1"/>
         <c:majorTickMark val="none"/>
+        <c:minorTickMark val="none"/>
         <c:tickLblPos val="nextTo"/>
         <c:txPr>
           <a:bodyPr/>
@@ -257,21 +281,23 @@
             <a:pPr>
               <a:defRPr lang="en-US"/>
             </a:pPr>
-            <a:endParaRPr lang="zh-CN"/>
+            <a:endParaRPr lang="en-US"/>
           </a:p>
         </c:txPr>
-        <c:crossAx val="53409664"/>
+        <c:crossAx val="-2110422472"/>
         <c:crosses val="autoZero"/>
         <c:auto val="1"/>
         <c:lblAlgn val="ctr"/>
         <c:lblOffset val="100"/>
+        <c:noMultiLvlLbl val="0"/>
       </c:catAx>
       <c:valAx>
-        <c:axId val="53409664"/>
+        <c:axId val="-2110422472"/>
         <c:scaling>
           <c:orientation val="minMax"/>
-          <c:max val="1800"/>
+          <c:max val="1800.0"/>
         </c:scaling>
+        <c:delete val="0"/>
         <c:axPos val="l"/>
         <c:majorGridlines/>
         <c:title>
@@ -290,8 +316,12 @@
               </a:p>
             </c:rich>
           </c:tx>
+          <c:layout/>
+          <c:overlay val="0"/>
         </c:title>
         <c:numFmt formatCode="General" sourceLinked="1"/>
+        <c:majorTickMark val="out"/>
+        <c:minorTickMark val="none"/>
         <c:tickLblPos val="nextTo"/>
         <c:txPr>
           <a:bodyPr/>
@@ -300,17 +330,18 @@
             <a:pPr>
               <a:defRPr lang="en-US"/>
             </a:pPr>
-            <a:endParaRPr lang="zh-CN"/>
+            <a:endParaRPr lang="en-US"/>
           </a:p>
         </c:txPr>
-        <c:crossAx val="53188480"/>
+        <c:crossAx val="2064651288"/>
         <c:crosses val="autoZero"/>
         <c:crossBetween val="between"/>
-        <c:majorUnit val="300"/>
+        <c:majorUnit val="300.0"/>
       </c:valAx>
     </c:plotArea>
     <c:plotVisOnly val="1"/>
     <c:dispBlanksAs val="gap"/>
+    <c:showDLblsOverMax val="0"/>
   </c:chart>
   <c:txPr>
     <a:bodyPr/>
@@ -321,22 +352,35 @@
           <a:latin typeface="+mn-lt"/>
         </a:defRPr>
       </a:pPr>
-      <a:endParaRPr lang="zh-CN"/>
+      <a:endParaRPr lang="en-US"/>
     </a:p>
   </c:txPr>
-  <c:externalData r:id="rId1"/>
+  <c:externalData r:id="rId1">
+    <c:autoUpdate val="0"/>
+  </c:externalData>
 </c:chartSpace>
 </file>
 
 <file path=ppt/charts/chart2.xml><?xml version="1.0" encoding="utf-8"?>
 <c:chartSpace xmlns:c="http://schemas.openxmlformats.org/drawingml/2006/chart" xmlns:a="http://schemas.openxmlformats.org/drawingml/2006/main" xmlns:r="http://schemas.openxmlformats.org/officeDocument/2006/relationships">
-  <c:lang val="zh-CN"/>
+  <c:date1904 val="0"/>
+  <c:lang val="en-US"/>
+  <c:roundedCorners val="0"/>
+  <mc:AlternateContent xmlns:mc="http://schemas.openxmlformats.org/markup-compatibility/2006">
+    <mc:Choice xmlns:c14="http://schemas.microsoft.com/office/drawing/2007/8/2/chart" Requires="c14">
+      <c14:style val="102"/>
+    </mc:Choice>
+    <mc:Fallback>
+      <c:style val="2"/>
+    </mc:Fallback>
+  </mc:AlternateContent>
   <c:chart>
     <c:autoTitleDeleted val="1"/>
     <c:plotArea>
       <c:layout/>
       <c:lineChart>
         <c:grouping val="standard"/>
+        <c:varyColors val="0"/>
         <c:ser>
           <c:idx val="0"/>
           <c:order val="0"/>
@@ -356,10 +400,10 @@
                   <c:v>0.5</c:v>
                 </c:pt>
                 <c:pt idx="3">
-                  <c:v>0.75000000000000011</c:v>
+                  <c:v>0.75</c:v>
                 </c:pt>
                 <c:pt idx="4">
-                  <c:v>1</c:v>
+                  <c:v>1.0</c:v>
                 </c:pt>
                 <c:pt idx="5">
                   <c:v>1.25</c:v>
@@ -371,7 +415,7 @@
                   <c:v>1.75</c:v>
                 </c:pt>
                 <c:pt idx="8">
-                  <c:v>2</c:v>
+                  <c:v>2.0</c:v>
                 </c:pt>
               </c:numCache>
             </c:numRef>
@@ -383,7 +427,7 @@
                 <c:formatCode>General</c:formatCode>
                 <c:ptCount val="9"/>
                 <c:pt idx="0">
-                  <c:v>3640.8900000000012</c:v>
+                  <c:v>3640.890000000001</c:v>
                 </c:pt>
                 <c:pt idx="1">
                   <c:v>3377.86</c:v>
@@ -395,7 +439,7 @@
                   <c:v>1989.75</c:v>
                 </c:pt>
                 <c:pt idx="4">
-                  <c:v>1758.6699999999998</c:v>
+                  <c:v>1758.67</c:v>
                 </c:pt>
                 <c:pt idx="5">
                   <c:v>1458.82</c:v>
@@ -412,18 +456,28 @@
               </c:numCache>
             </c:numRef>
           </c:val>
+          <c:smooth val="0"/>
         </c:ser>
-        <c:dLbls/>
+        <c:dLbls>
+          <c:showLegendKey val="0"/>
+          <c:showVal val="0"/>
+          <c:showCatName val="0"/>
+          <c:showSerName val="0"/>
+          <c:showPercent val="0"/>
+          <c:showBubbleSize val="0"/>
+        </c:dLbls>
         <c:hiLowLines/>
         <c:marker val="1"/>
-        <c:axId val="53460352"/>
-        <c:axId val="54955008"/>
+        <c:smooth val="0"/>
+        <c:axId val="-2109927880"/>
+        <c:axId val="2111690952"/>
       </c:lineChart>
       <c:catAx>
-        <c:axId val="53460352"/>
+        <c:axId val="-2109927880"/>
         <c:scaling>
           <c:orientation val="minMax"/>
         </c:scaling>
+        <c:delete val="0"/>
         <c:axPos val="b"/>
         <c:title>
           <c:tx>
@@ -441,9 +495,12 @@
               </a:p>
             </c:rich>
           </c:tx>
+          <c:layout/>
+          <c:overlay val="0"/>
         </c:title>
         <c:numFmt formatCode="General" sourceLinked="1"/>
         <c:majorTickMark val="none"/>
+        <c:minorTickMark val="none"/>
         <c:tickLblPos val="nextTo"/>
         <c:txPr>
           <a:bodyPr/>
@@ -452,20 +509,22 @@
             <a:pPr>
               <a:defRPr lang="en-US"/>
             </a:pPr>
-            <a:endParaRPr lang="zh-CN"/>
+            <a:endParaRPr lang="en-US"/>
           </a:p>
         </c:txPr>
-        <c:crossAx val="54955008"/>
+        <c:crossAx val="2111690952"/>
         <c:crosses val="autoZero"/>
         <c:auto val="1"/>
         <c:lblAlgn val="ctr"/>
         <c:lblOffset val="100"/>
+        <c:noMultiLvlLbl val="0"/>
       </c:catAx>
       <c:valAx>
-        <c:axId val="54955008"/>
+        <c:axId val="2111690952"/>
         <c:scaling>
           <c:orientation val="minMax"/>
         </c:scaling>
+        <c:delete val="0"/>
         <c:axPos val="l"/>
         <c:majorGridlines/>
         <c:title>
@@ -484,8 +543,12 @@
               </a:p>
             </c:rich>
           </c:tx>
+          <c:layout/>
+          <c:overlay val="0"/>
         </c:title>
         <c:numFmt formatCode="General" sourceLinked="1"/>
+        <c:majorTickMark val="out"/>
+        <c:minorTickMark val="none"/>
         <c:tickLblPos val="nextTo"/>
         <c:txPr>
           <a:bodyPr/>
@@ -494,16 +557,17 @@
             <a:pPr>
               <a:defRPr lang="en-US"/>
             </a:pPr>
-            <a:endParaRPr lang="zh-CN"/>
+            <a:endParaRPr lang="en-US"/>
           </a:p>
         </c:txPr>
-        <c:crossAx val="53460352"/>
+        <c:crossAx val="-2109927880"/>
         <c:crosses val="autoZero"/>
         <c:crossBetween val="between"/>
       </c:valAx>
     </c:plotArea>
     <c:plotVisOnly val="1"/>
     <c:dispBlanksAs val="gap"/>
+    <c:showDLblsOverMax val="0"/>
   </c:chart>
   <c:txPr>
     <a:bodyPr/>
@@ -514,31 +578,45 @@
           <a:latin typeface="+mn-lt"/>
         </a:defRPr>
       </a:pPr>
-      <a:endParaRPr lang="zh-CN"/>
+      <a:endParaRPr lang="en-US"/>
     </a:p>
   </c:txPr>
-  <c:externalData r:id="rId1"/>
+  <c:externalData r:id="rId1">
+    <c:autoUpdate val="0"/>
+  </c:externalData>
 </c:chartSpace>
 </file>
 
 <file path=ppt/charts/chart3.xml><?xml version="1.0" encoding="utf-8"?>
 <c:chartSpace xmlns:c="http://schemas.openxmlformats.org/drawingml/2006/chart" xmlns:a="http://schemas.openxmlformats.org/drawingml/2006/main" xmlns:r="http://schemas.openxmlformats.org/officeDocument/2006/relationships">
-  <c:lang val="zh-CN"/>
+  <c:date1904 val="0"/>
+  <c:lang val="en-US"/>
+  <c:roundedCorners val="0"/>
+  <mc:AlternateContent xmlns:mc="http://schemas.openxmlformats.org/markup-compatibility/2006">
+    <mc:Choice xmlns:c14="http://schemas.microsoft.com/office/drawing/2007/8/2/chart" Requires="c14">
+      <c14:style val="102"/>
+    </mc:Choice>
+    <mc:Fallback>
+      <c:style val="2"/>
+    </mc:Fallback>
+  </mc:AlternateContent>
   <c:chart>
+    <c:autoTitleDeleted val="0"/>
     <c:plotArea>
       <c:layout>
         <c:manualLayout>
           <c:layoutTarget val="inner"/>
           <c:xMode val="edge"/>
           <c:yMode val="edge"/>
-          <c:x val="0.20539173228346502"/>
-          <c:y val="0.20368985126859099"/>
-          <c:w val="0.75849715660542616"/>
-          <c:h val="0.54438101487314206"/>
+          <c:x val="0.205391732283465"/>
+          <c:y val="0.203689851268591"/>
+          <c:w val="0.758497156605426"/>
+          <c:h val="0.544381014873142"/>
         </c:manualLayout>
       </c:layout>
       <c:lineChart>
         <c:grouping val="standard"/>
+        <c:varyColors val="0"/>
         <c:ser>
           <c:idx val="0"/>
           <c:order val="0"/>
@@ -601,7 +679,7 @@
                   <c:v>1517.24</c:v>
                 </c:pt>
                 <c:pt idx="2">
-                  <c:v>2170.7399999999998</c:v>
+                  <c:v>2170.74</c:v>
                 </c:pt>
                 <c:pt idx="3">
                   <c:v>2879.34</c:v>
@@ -616,7 +694,7 @@
                   <c:v>4830.04</c:v>
                 </c:pt>
                 <c:pt idx="7">
-                  <c:v>5227.9299999999994</c:v>
+                  <c:v>5227.93</c:v>
                 </c:pt>
                 <c:pt idx="8">
                   <c:v>5324.03</c:v>
@@ -624,6 +702,7 @@
               </c:numCache>
             </c:numRef>
           </c:val>
+          <c:smooth val="0"/>
         </c:ser>
         <c:ser>
           <c:idx val="2"/>
@@ -690,7 +769,7 @@
                   <c:v>1367.91</c:v>
                 </c:pt>
                 <c:pt idx="3">
-                  <c:v>1424.6299999999999</c:v>
+                  <c:v>1424.63</c:v>
                 </c:pt>
                 <c:pt idx="4">
                   <c:v>1480.43</c:v>
@@ -699,28 +778,38 @@
                   <c:v>2073.1</c:v>
                 </c:pt>
                 <c:pt idx="6">
-                  <c:v>3490.8500000000022</c:v>
+                  <c:v>3490.850000000002</c:v>
                 </c:pt>
                 <c:pt idx="7">
                   <c:v>5875.96</c:v>
                 </c:pt>
                 <c:pt idx="8">
-                  <c:v>8736.0400000000009</c:v>
+                  <c:v>8736.04</c:v>
                 </c:pt>
               </c:numCache>
             </c:numRef>
           </c:val>
+          <c:smooth val="0"/>
         </c:ser>
-        <c:dLbls/>
+        <c:dLbls>
+          <c:showLegendKey val="0"/>
+          <c:showVal val="0"/>
+          <c:showCatName val="0"/>
+          <c:showSerName val="0"/>
+          <c:showPercent val="0"/>
+          <c:showBubbleSize val="0"/>
+        </c:dLbls>
         <c:marker val="1"/>
-        <c:axId val="115505024"/>
-        <c:axId val="115737344"/>
+        <c:smooth val="0"/>
+        <c:axId val="-2106716376"/>
+        <c:axId val="-2106710808"/>
       </c:lineChart>
       <c:catAx>
-        <c:axId val="115505024"/>
+        <c:axId val="-2106716376"/>
         <c:scaling>
           <c:orientation val="minMax"/>
         </c:scaling>
+        <c:delete val="0"/>
         <c:axPos val="b"/>
         <c:title>
           <c:tx>
@@ -739,7 +828,10 @@
             </c:rich>
           </c:tx>
           <c:layout/>
+          <c:overlay val="0"/>
         </c:title>
+        <c:majorTickMark val="out"/>
+        <c:minorTickMark val="none"/>
         <c:tickLblPos val="nextTo"/>
         <c:txPr>
           <a:bodyPr/>
@@ -748,20 +840,22 @@
             <a:pPr>
               <a:defRPr lang="en-US"/>
             </a:pPr>
-            <a:endParaRPr lang="zh-CN"/>
+            <a:endParaRPr lang="en-US"/>
           </a:p>
         </c:txPr>
-        <c:crossAx val="115737344"/>
+        <c:crossAx val="-2106710808"/>
         <c:crosses val="autoZero"/>
         <c:auto val="1"/>
         <c:lblAlgn val="ctr"/>
         <c:lblOffset val="100"/>
+        <c:noMultiLvlLbl val="0"/>
       </c:catAx>
       <c:valAx>
-        <c:axId val="115737344"/>
+        <c:axId val="-2106710808"/>
         <c:scaling>
           <c:orientation val="minMax"/>
         </c:scaling>
+        <c:delete val="0"/>
         <c:axPos val="l"/>
         <c:majorGridlines/>
         <c:title>
@@ -781,8 +875,11 @@
             </c:rich>
           </c:tx>
           <c:layout/>
+          <c:overlay val="0"/>
         </c:title>
         <c:numFmt formatCode="General" sourceLinked="1"/>
+        <c:majorTickMark val="out"/>
+        <c:minorTickMark val="none"/>
         <c:tickLblPos val="nextTo"/>
         <c:txPr>
           <a:bodyPr/>
@@ -791,10 +888,10 @@
             <a:pPr>
               <a:defRPr lang="en-US"/>
             </a:pPr>
-            <a:endParaRPr lang="zh-CN"/>
+            <a:endParaRPr lang="en-US"/>
           </a:p>
         </c:txPr>
-        <c:crossAx val="115505024"/>
+        <c:crossAx val="-2106716376"/>
         <c:crosses val="autoZero"/>
         <c:crossBetween val="between"/>
       </c:valAx>
@@ -802,6 +899,7 @@
     <c:legend>
       <c:legendPos val="t"/>
       <c:layout/>
+      <c:overlay val="0"/>
       <c:txPr>
         <a:bodyPr/>
         <a:lstStyle/>
@@ -809,12 +907,13 @@
           <a:pPr>
             <a:defRPr lang="en-US"/>
           </a:pPr>
-          <a:endParaRPr lang="zh-CN"/>
+          <a:endParaRPr lang="en-US"/>
         </a:p>
       </c:txPr>
     </c:legend>
     <c:plotVisOnly val="1"/>
     <c:dispBlanksAs val="gap"/>
+    <c:showDLblsOverMax val="0"/>
   </c:chart>
   <c:txPr>
     <a:bodyPr/>
@@ -823,10 +922,12 @@
       <a:pPr>
         <a:defRPr sz="1600"/>
       </a:pPr>
-      <a:endParaRPr lang="zh-CN"/>
+      <a:endParaRPr lang="en-US"/>
     </a:p>
   </c:txPr>
-  <c:externalData r:id="rId1"/>
+  <c:externalData r:id="rId1">
+    <c:autoUpdate val="0"/>
+  </c:externalData>
 </c:chartSpace>
 </file>
 
@@ -913,7 +1014,7 @@
             <a:fld id="{12B4EDAB-D5CB-43F4-9455-413812C1A042}" type="datetimeFigureOut">
               <a:rPr lang="zh-CN" altLang="en-US" smtClean="0"/>
               <a:pPr/>
-              <a:t>2012/5/1</a:t>
+              <a:t>3/18/14</a:t>
             </a:fld>
             <a:endParaRPr lang="zh-CN" altLang="en-US"/>
           </a:p>
@@ -1084,7 +1185,7 @@
     </p:spTree>
     <p:extLst>
       <p:ext uri="{BB962C8B-B14F-4D97-AF65-F5344CB8AC3E}">
-        <p14:creationId xmlns:p14="http://schemas.microsoft.com/office/powerpoint/2010/main" xmlns="" val="3170110572"/>
+        <p14:creationId xmlns:p14="http://schemas.microsoft.com/office/powerpoint/2010/main" val="3170110572"/>
       </p:ext>
     </p:extLst>
   </p:cSld>
@@ -1230,321 +1331,7 @@
           </a:bodyPr>
           <a:lstStyle/>
           <a:p>
-            <a:r>
-              <a:rPr lang="en-US" altLang="zh-CN" dirty="0" smtClean="0"/>
-              <a:t>Hello, everyone. I’m Xin.</a:t>
-            </a:r>
-            <a:r>
-              <a:rPr lang="en-US" altLang="zh-CN" baseline="0" dirty="0" smtClean="0"/>
-              <a:t> </a:t>
-            </a:r>
-            <a:r>
-              <a:rPr lang="en-US" altLang="zh-CN" dirty="0" smtClean="0"/>
-              <a:t>Today,</a:t>
-            </a:r>
-            <a:r>
-              <a:rPr lang="en-US" altLang="zh-CN" baseline="0" dirty="0" smtClean="0"/>
-              <a:t> I’m going to introduce our recent work about how to improve the security of the cloud.</a:t>
-            </a:r>
-          </a:p>
-          <a:p>
             <a:endParaRPr lang="en-US" altLang="zh-CN" baseline="0" dirty="0" smtClean="0"/>
-          </a:p>
-          <a:p>
-            <a:r>
-              <a:rPr lang="en-US" altLang="zh-CN" baseline="0" dirty="0" smtClean="0"/>
-              <a:t>Separate my words</a:t>
-            </a:r>
-          </a:p>
-          <a:p>
-            <a:endParaRPr lang="en-US" altLang="zh-CN" baseline="0" dirty="0" smtClean="0"/>
-          </a:p>
-          <a:p>
-            <a:r>
-              <a:rPr lang="en-US" altLang="zh-CN" baseline="0" dirty="0" smtClean="0"/>
-              <a:t>Example:</a:t>
-            </a:r>
-          </a:p>
-          <a:p>
-            <a:r>
-              <a:rPr lang="cs-CZ" sz="1200" kern="1200" dirty="0" smtClean="0">
-                <a:solidFill>
-                  <a:schemeClr val="tx1"/>
-                </a:solidFill>
-                <a:latin typeface="+mn-lt"/>
-                <a:ea typeface="+mn-ea"/>
-                <a:cs typeface="+mn-cs"/>
-              </a:rPr>
-              <a:t>prototype</a:t>
-            </a:r>
-          </a:p>
-          <a:p>
-            <a:r>
-              <a:rPr lang="fr-FR" sz="1200" kern="1200" dirty="0" err="1" smtClean="0">
-                <a:solidFill>
-                  <a:schemeClr val="tx1"/>
-                </a:solidFill>
-                <a:latin typeface="+mn-lt"/>
-                <a:ea typeface="+mn-ea"/>
-                <a:cs typeface="+mn-cs"/>
-              </a:rPr>
-              <a:t>resource</a:t>
-            </a:r>
-            <a:endParaRPr lang="fr-FR" sz="1200" kern="1200" dirty="0" smtClean="0">
-              <a:solidFill>
-                <a:schemeClr val="tx1"/>
-              </a:solidFill>
-              <a:latin typeface="+mn-lt"/>
-              <a:ea typeface="+mn-ea"/>
-              <a:cs typeface="+mn-cs"/>
-            </a:endParaRPr>
-          </a:p>
-          <a:p>
-            <a:r>
-              <a:rPr lang="en-US" sz="1200" kern="1200" dirty="0" smtClean="0">
-                <a:solidFill>
-                  <a:schemeClr val="tx1"/>
-                </a:solidFill>
-                <a:latin typeface="+mn-lt"/>
-                <a:ea typeface="+mn-ea"/>
-                <a:cs typeface="+mn-cs"/>
-              </a:rPr>
-              <a:t>I/O</a:t>
-            </a:r>
-          </a:p>
-          <a:p>
-            <a:r>
-              <a:rPr lang="en-US" sz="1200" kern="1200" dirty="0" smtClean="0">
-                <a:solidFill>
-                  <a:schemeClr val="tx1"/>
-                </a:solidFill>
-                <a:latin typeface="+mn-lt"/>
-                <a:ea typeface="+mn-ea"/>
-                <a:cs typeface="+mn-cs"/>
-              </a:rPr>
-              <a:t>attack</a:t>
-            </a:r>
-          </a:p>
-          <a:p>
-            <a:r>
-              <a:rPr lang="en-US" sz="1200" kern="1200" dirty="0" smtClean="0">
-                <a:solidFill>
-                  <a:schemeClr val="tx1"/>
-                </a:solidFill>
-                <a:latin typeface="+mn-lt"/>
-                <a:ea typeface="+mn-ea"/>
-                <a:cs typeface="+mn-cs"/>
-              </a:rPr>
-              <a:t>event</a:t>
-            </a:r>
-          </a:p>
-          <a:p>
-            <a:r>
-              <a:rPr lang="en-US" sz="1200" kern="1200" dirty="0" smtClean="0">
-                <a:solidFill>
-                  <a:schemeClr val="tx1"/>
-                </a:solidFill>
-                <a:latin typeface="+mn-lt"/>
-                <a:ea typeface="+mn-ea"/>
-                <a:cs typeface="+mn-cs"/>
-              </a:rPr>
-              <a:t>evaluated</a:t>
-            </a:r>
-          </a:p>
-          <a:p>
-            <a:r>
-              <a:rPr lang="en-US" sz="1200" kern="1200" dirty="0" smtClean="0">
-                <a:solidFill>
-                  <a:schemeClr val="tx1"/>
-                </a:solidFill>
-                <a:latin typeface="+mn-lt"/>
-                <a:ea typeface="+mn-ea"/>
-                <a:cs typeface="+mn-cs"/>
-              </a:rPr>
-              <a:t>relationship</a:t>
-            </a:r>
-          </a:p>
-          <a:p>
-            <a:r>
-              <a:rPr lang="cs-CZ" sz="1200" kern="1200" dirty="0" err="1" smtClean="0">
-                <a:solidFill>
-                  <a:schemeClr val="tx1"/>
-                </a:solidFill>
-                <a:latin typeface="+mn-lt"/>
-                <a:ea typeface="+mn-ea"/>
-                <a:cs typeface="+mn-cs"/>
-              </a:rPr>
-              <a:t>exploration</a:t>
-            </a:r>
-            <a:endParaRPr lang="cs-CZ" sz="1200" kern="1200" dirty="0" smtClean="0">
-              <a:solidFill>
-                <a:schemeClr val="tx1"/>
-              </a:solidFill>
-              <a:latin typeface="+mn-lt"/>
-              <a:ea typeface="+mn-ea"/>
-              <a:cs typeface="+mn-cs"/>
-            </a:endParaRPr>
-          </a:p>
-          <a:p>
-            <a:r>
-              <a:rPr lang="fr-FR" sz="1200" kern="1200" dirty="0" smtClean="0">
-                <a:solidFill>
-                  <a:schemeClr val="tx1"/>
-                </a:solidFill>
-                <a:latin typeface="+mn-lt"/>
-                <a:ea typeface="+mn-ea"/>
-                <a:cs typeface="+mn-cs"/>
-              </a:rPr>
-              <a:t>message size</a:t>
-            </a:r>
-          </a:p>
-          <a:p>
-            <a:r>
-              <a:rPr lang="en-US" sz="1200" kern="1200" dirty="0" smtClean="0">
-                <a:solidFill>
-                  <a:schemeClr val="tx1"/>
-                </a:solidFill>
-                <a:latin typeface="+mn-lt"/>
-                <a:ea typeface="+mn-ea"/>
-                <a:cs typeface="+mn-cs"/>
-              </a:rPr>
-              <a:t>data plane</a:t>
-            </a:r>
-          </a:p>
-          <a:p>
-            <a:endParaRPr lang="en-US" altLang="zh-CN" sz="1200" kern="1200" baseline="0" dirty="0" smtClean="0">
-              <a:solidFill>
-                <a:schemeClr val="tx1"/>
-              </a:solidFill>
-              <a:latin typeface="+mn-lt"/>
-              <a:ea typeface="+mn-ea"/>
-              <a:cs typeface="+mn-cs"/>
-            </a:endParaRPr>
-          </a:p>
-          <a:p>
-            <a:r>
-              <a:rPr lang="en-US" altLang="zh-CN" sz="1200" kern="1200" baseline="0" dirty="0" smtClean="0">
-                <a:solidFill>
-                  <a:schemeClr val="tx1"/>
-                </a:solidFill>
-                <a:latin typeface="+mn-lt"/>
-                <a:ea typeface="+mn-ea"/>
-                <a:cs typeface="+mn-cs"/>
-              </a:rPr>
-              <a:t>Virtualization (half)</a:t>
-            </a:r>
-          </a:p>
-          <a:p>
-            <a:r>
-              <a:rPr lang="en-US" altLang="zh-CN" baseline="0" dirty="0" smtClean="0"/>
-              <a:t>Dom0 (domain, look at n. longer </a:t>
-            </a:r>
-            <a:r>
-              <a:rPr lang="en-US" altLang="zh-CN" baseline="0" dirty="0" err="1" smtClean="0"/>
-              <a:t>ai</a:t>
-            </a:r>
-            <a:r>
-              <a:rPr lang="en-US" altLang="zh-CN" baseline="0" dirty="0" smtClean="0"/>
-              <a:t>)</a:t>
-            </a:r>
-          </a:p>
-          <a:p>
-            <a:r>
-              <a:rPr lang="en-US" altLang="zh-CN" baseline="0" dirty="0" smtClean="0"/>
-              <a:t>Hypervisor (the middle, the stress?)</a:t>
-            </a:r>
-          </a:p>
-          <a:p>
-            <a:r>
-              <a:rPr lang="en-US" altLang="zh-CN" baseline="0" dirty="0" smtClean="0"/>
-              <a:t>Guest (pay attention to </a:t>
-            </a:r>
-            <a:r>
-              <a:rPr lang="en-US" altLang="zh-CN" baseline="0" dirty="0" err="1" smtClean="0"/>
-              <a:t>st</a:t>
-            </a:r>
-            <a:r>
-              <a:rPr lang="en-US" altLang="zh-CN" baseline="0" dirty="0" smtClean="0"/>
-              <a:t>)</a:t>
-            </a:r>
-          </a:p>
-          <a:p>
-            <a:r>
-              <a:rPr lang="en-US" altLang="zh-CN" baseline="0" dirty="0" smtClean="0"/>
-              <a:t>Surface (the f sound)</a:t>
-            </a:r>
-          </a:p>
-          <a:p>
-            <a:r>
-              <a:rPr lang="en-US" altLang="zh-CN" baseline="0" dirty="0" smtClean="0"/>
-              <a:t>Efficient (the f sound)</a:t>
-            </a:r>
-          </a:p>
-          <a:p>
-            <a:r>
-              <a:rPr lang="en-US" altLang="zh-CN" baseline="0" dirty="0" smtClean="0"/>
-              <a:t>Outperforms (the f sound)</a:t>
-            </a:r>
-          </a:p>
-          <a:p>
-            <a:r>
-              <a:rPr lang="en-US" altLang="zh-CN" baseline="0" dirty="0" smtClean="0"/>
-              <a:t>Cloud (the l sound)</a:t>
-            </a:r>
-          </a:p>
-          <a:p>
-            <a:r>
-              <a:rPr lang="en-US" altLang="zh-CN" baseline="0" dirty="0" smtClean="0"/>
-              <a:t>Reboot (not report)</a:t>
-            </a:r>
-          </a:p>
-          <a:p>
-            <a:r>
-              <a:rPr lang="en-US" altLang="zh-CN" baseline="0" dirty="0" smtClean="0"/>
-              <a:t>Create</a:t>
-            </a:r>
-          </a:p>
-          <a:p>
-            <a:r>
-              <a:rPr lang="en-US" altLang="zh-CN" baseline="0" dirty="0" smtClean="0"/>
-              <a:t>Polling (the o sound)</a:t>
-            </a:r>
-          </a:p>
-          <a:p>
-            <a:r>
-              <a:rPr lang="en-US" altLang="zh-CN" baseline="0" dirty="0" smtClean="0"/>
-              <a:t>Access (the s sound)</a:t>
-            </a:r>
-          </a:p>
-          <a:p>
-            <a:r>
-              <a:rPr lang="en-US" altLang="zh-CN" baseline="0" dirty="0" smtClean="0"/>
-              <a:t>Through (the u sound)</a:t>
-            </a:r>
-          </a:p>
-          <a:p>
-            <a:r>
-              <a:rPr lang="en-US" altLang="zh-CN" baseline="0" dirty="0" smtClean="0"/>
-              <a:t>Software (the f sound)</a:t>
-            </a:r>
-          </a:p>
-          <a:p>
-            <a:endParaRPr lang="en-US" altLang="zh-CN" baseline="0" dirty="0" smtClean="0"/>
-          </a:p>
-          <a:p>
-            <a:r>
-              <a:rPr lang="en-US" altLang="zh-CN" baseline="0" dirty="0" smtClean="0"/>
-              <a:t>Summary: f sound</a:t>
-            </a:r>
-          </a:p>
-          <a:p>
-            <a:endParaRPr lang="en-US" altLang="zh-CN" baseline="0" dirty="0" smtClean="0"/>
-          </a:p>
-          <a:p>
-            <a:r>
-              <a:rPr lang="en-US" altLang="zh-CN" baseline="0" dirty="0" smtClean="0"/>
-              <a:t>Be slow, especially in the middle and end of the presentation</a:t>
-            </a:r>
           </a:p>
         </p:txBody>
       </p:sp>
@@ -1626,41 +1413,6 @@
           </a:bodyPr>
           <a:lstStyle/>
           <a:p>
-            <a:r>
-              <a:rPr lang="en-US" altLang="zh-CN" dirty="0" smtClean="0"/>
-              <a:t>There are many approaches trying to solve</a:t>
-            </a:r>
-            <a:r>
-              <a:rPr lang="en-US" altLang="zh-CN" baseline="0" dirty="0" smtClean="0"/>
-              <a:t> these security problems.</a:t>
-            </a:r>
-          </a:p>
-          <a:p>
-            <a:endParaRPr lang="en-US" altLang="zh-CN" baseline="0" dirty="0" smtClean="0"/>
-          </a:p>
-          <a:p>
-            <a:r>
-              <a:rPr lang="en-US" altLang="zh-CN" baseline="0" dirty="0" smtClean="0"/>
-              <a:t>One approach is Dom0 disaggregation. The core idea of Dom0 disaggregation is to disaggregate the control VM into smaller, single-purpose and mostly independent components. As shown in the figure, we can see that Dom0 is divided into several small service VMs. Each service VM takes a certain amount of responsibility.</a:t>
-            </a:r>
-          </a:p>
-          <a:p>
-            <a:endParaRPr lang="en-US" altLang="zh-CN" baseline="0" dirty="0" smtClean="0"/>
-          </a:p>
-          <a:p>
-            <a:r>
-              <a:rPr lang="en-US" altLang="zh-CN" baseline="0" dirty="0" smtClean="0"/>
-              <a:t>In this way, the impact of a service VM crash is limited. Other service VM can continue to provide their services. It is also easy to reboot a new service VM to replace the compromised service VM.</a:t>
-            </a:r>
-          </a:p>
-          <a:p>
-            <a:endParaRPr lang="en-US" altLang="zh-CN" baseline="0" dirty="0" smtClean="0"/>
-          </a:p>
-          <a:p>
-            <a:r>
-              <a:rPr lang="en-US" altLang="zh-CN" baseline="0" dirty="0" smtClean="0"/>
-              <a:t>However, since the hypervisor still exists in this architecture, a malicious customer can still attack the hypervisor, and then compromise either other guest VMs or service VMs.</a:t>
-            </a:r>
             <a:endParaRPr lang="zh-CN" altLang="en-US" dirty="0"/>
           </a:p>
         </p:txBody>
@@ -1743,90 +1495,6 @@
           </a:bodyPr>
           <a:lstStyle/>
           <a:p>
-            <a:r>
-              <a:rPr lang="en-US" altLang="zh-CN" dirty="0" smtClean="0"/>
-              <a:t>Another approach</a:t>
-            </a:r>
-            <a:r>
-              <a:rPr lang="en-US" altLang="zh-CN" baseline="0" dirty="0" smtClean="0"/>
-              <a:t> deals with the vulnerabilities in the hypervisor. One recent progress is </a:t>
-            </a:r>
-            <a:r>
-              <a:rPr lang="en-US" altLang="zh-CN" baseline="0" dirty="0" err="1" smtClean="0"/>
-              <a:t>NoHype</a:t>
-            </a:r>
-            <a:r>
-              <a:rPr lang="en-US" altLang="zh-CN" baseline="0" dirty="0" smtClean="0"/>
-              <a:t> project. </a:t>
-            </a:r>
-            <a:r>
-              <a:rPr lang="en-US" altLang="zh-CN" baseline="0" dirty="0" err="1" smtClean="0"/>
-              <a:t>NoHype</a:t>
-            </a:r>
-            <a:r>
-              <a:rPr lang="en-US" altLang="zh-CN" baseline="0" dirty="0" smtClean="0"/>
-              <a:t> eliminates the hypervisor attack surface by totally removing the hypervisor layer.</a:t>
-            </a:r>
-          </a:p>
-          <a:p>
-            <a:endParaRPr lang="en-US" altLang="zh-CN" baseline="0" dirty="0" smtClean="0"/>
-          </a:p>
-          <a:p>
-            <a:r>
-              <a:rPr lang="en-US" altLang="zh-CN" baseline="0" dirty="0" smtClean="0"/>
-              <a:t>In </a:t>
-            </a:r>
-            <a:r>
-              <a:rPr lang="en-US" altLang="zh-CN" baseline="0" dirty="0" err="1" smtClean="0"/>
-              <a:t>NoHype</a:t>
-            </a:r>
-            <a:r>
-              <a:rPr lang="en-US" altLang="zh-CN" baseline="0" dirty="0" smtClean="0"/>
-              <a:t>, the hypervisor is only used to boot up and shut down guest VMs. </a:t>
-            </a:r>
-          </a:p>
-          <a:p>
-            <a:endParaRPr lang="en-US" altLang="zh-CN" baseline="0" dirty="0" smtClean="0"/>
-          </a:p>
-          <a:p>
-            <a:r>
-              <a:rPr lang="en-US" altLang="zh-CN" baseline="0" dirty="0" smtClean="0"/>
-              <a:t>It pre-allocates memory resources and process cores to guest VMs, and only uses hardware virtualized I/O devices.</a:t>
-            </a:r>
-          </a:p>
-          <a:p>
-            <a:endParaRPr lang="en-US" altLang="zh-CN" baseline="0" dirty="0" smtClean="0"/>
-          </a:p>
-          <a:p>
-            <a:r>
-              <a:rPr lang="en-US" altLang="zh-CN" baseline="0" dirty="0" smtClean="0"/>
-              <a:t>So in the run time, there is no interaction between guest VMs and the hypervisor. Guest VMs directly talk with the underlying hardware. In this way, malicious customers have no way to attack the hypervisor.</a:t>
-            </a:r>
-          </a:p>
-          <a:p>
-            <a:endParaRPr lang="en-US" altLang="zh-CN" baseline="0" dirty="0" smtClean="0"/>
-          </a:p>
-          <a:p>
-            <a:r>
-              <a:rPr lang="en-US" altLang="zh-CN" baseline="0" dirty="0" smtClean="0"/>
-              <a:t>But what if we want to use software switching in </a:t>
-            </a:r>
-            <a:r>
-              <a:rPr lang="en-US" altLang="zh-CN" baseline="0" dirty="0" err="1" smtClean="0"/>
-              <a:t>NoHype</a:t>
-            </a:r>
-            <a:r>
-              <a:rPr lang="en-US" altLang="zh-CN" baseline="0" dirty="0" smtClean="0"/>
-              <a:t> so as to </a:t>
-            </a:r>
-            <a:r>
-              <a:rPr lang="en-US" altLang="zh-CN" baseline="0" smtClean="0"/>
-              <a:t>take advantage </a:t>
-            </a:r>
-            <a:r>
-              <a:rPr lang="en-US" altLang="zh-CN" baseline="0" dirty="0" smtClean="0"/>
-              <a:t>of network virtualization?</a:t>
-            </a:r>
             <a:endParaRPr lang="zh-CN" altLang="en-US" dirty="0"/>
           </a:p>
         </p:txBody>
@@ -1909,56 +1577,6 @@
           </a:bodyPr>
           <a:lstStyle/>
           <a:p>
-            <a:r>
-              <a:rPr lang="en-US" altLang="zh-CN" dirty="0" smtClean="0"/>
-              <a:t>In </a:t>
-            </a:r>
-            <a:r>
-              <a:rPr lang="en-US" altLang="zh-CN" dirty="0" err="1" smtClean="0"/>
-              <a:t>NoHype</a:t>
-            </a:r>
-            <a:r>
-              <a:rPr lang="en-US" altLang="zh-CN" dirty="0" smtClean="0"/>
-              <a:t>, software switching is only possible by bouncing packets through the physical NIC.</a:t>
-            </a:r>
-          </a:p>
-          <a:p>
-            <a:endParaRPr lang="en-US" altLang="zh-CN" dirty="0" smtClean="0"/>
-          </a:p>
-          <a:p>
-            <a:r>
-              <a:rPr lang="en-US" altLang="zh-CN" dirty="0" smtClean="0"/>
-              <a:t>It has to</a:t>
-            </a:r>
-            <a:r>
-              <a:rPr lang="en-US" altLang="zh-CN" baseline="0" dirty="0" smtClean="0"/>
-              <a:t> create</a:t>
-            </a:r>
-            <a:r>
-              <a:rPr lang="en-US" altLang="zh-CN" dirty="0" smtClean="0"/>
-              <a:t> a guest VM which runs a software</a:t>
-            </a:r>
-            <a:r>
-              <a:rPr lang="en-US" altLang="zh-CN" baseline="0" dirty="0" smtClean="0"/>
-              <a:t> switch. Since in </a:t>
-            </a:r>
-            <a:r>
-              <a:rPr lang="en-US" altLang="zh-CN" baseline="0" dirty="0" err="1" smtClean="0"/>
-              <a:t>NoHype</a:t>
-            </a:r>
-            <a:r>
-              <a:rPr lang="en-US" altLang="zh-CN" baseline="0" dirty="0" smtClean="0"/>
-              <a:t> guest VMs directly talk to the underlying hardware, if guest VM1, for example, wants to send a packet to guest VM3, the packet has to be first sent to the physical NIC. Then the physical NIC sends the packet to the software switch in guest VM2. The software switch processes the packet and finds that the destination of the packet is guest VM3, which is on the same physical server. But it cannot directly send the packet to guest VM3 via something like shared memory. It has to send the packet to the physical NIC again, which finally sends the packet to guest VM3.</a:t>
-            </a:r>
-          </a:p>
-          <a:p>
-            <a:endParaRPr lang="en-US" altLang="zh-CN" baseline="0" dirty="0" smtClean="0"/>
-          </a:p>
-          <a:p>
-            <a:r>
-              <a:rPr lang="en-US" altLang="zh-CN" baseline="0" dirty="0" smtClean="0"/>
-              <a:t>In this way, the communication between two co-located VMs will traverse the PCI bus and the physical NIC four times, which consumes excessive bandwidth. It is not efficient, nor scalable.</a:t>
-            </a:r>
             <a:endParaRPr lang="zh-CN" altLang="en-US" dirty="0"/>
           </a:p>
         </p:txBody>
@@ -2041,32 +1659,6 @@
           </a:bodyPr>
           <a:lstStyle/>
           <a:p>
-            <a:r>
-              <a:rPr lang="en-US" altLang="zh-CN" dirty="0" smtClean="0"/>
-              <a:t>We provide a solution which eliminates</a:t>
-            </a:r>
-            <a:r>
-              <a:rPr lang="en-US" altLang="zh-CN" baseline="0" dirty="0" smtClean="0"/>
-              <a:t> the hypervisor attack surface, and also provides the functionality of software switching in an efficient way at the same time.</a:t>
-            </a:r>
-          </a:p>
-          <a:p>
-            <a:endParaRPr lang="en-US" altLang="zh-CN" baseline="0" dirty="0" smtClean="0"/>
-          </a:p>
-          <a:p>
-            <a:r>
-              <a:rPr lang="en-US" altLang="zh-CN" baseline="0" dirty="0" smtClean="0"/>
-              <a:t>We eliminate the hypervisor-guest interaction by using dedicated shared memory region between guest VMs and the software switch and using polling to detect incoming packets.</a:t>
-            </a:r>
-          </a:p>
-          <a:p>
-            <a:endParaRPr lang="en-US" altLang="zh-CN" baseline="0" dirty="0" smtClean="0"/>
-          </a:p>
-          <a:p>
-            <a:r>
-              <a:rPr lang="en-US" altLang="zh-CN" baseline="0" dirty="0" smtClean="0"/>
-              <a:t>We disaggregate software switch from the control VM, or Dom0, to limit damage from a compromised switch.</a:t>
-            </a:r>
             <a:endParaRPr lang="zh-CN" altLang="en-US" dirty="0"/>
           </a:p>
         </p:txBody>
@@ -2149,58 +1741,6 @@
           </a:bodyPr>
           <a:lstStyle/>
           <a:p>
-            <a:r>
-              <a:rPr lang="en-US" altLang="zh-CN" dirty="0" smtClean="0"/>
-              <a:t>First,</a:t>
-            </a:r>
-            <a:r>
-              <a:rPr lang="en-US" altLang="zh-CN" baseline="0" dirty="0" smtClean="0"/>
-              <a:t> let’s look at how we eliminate the hypervisor-guest interaction.</a:t>
-            </a:r>
-          </a:p>
-          <a:p>
-            <a:endParaRPr lang="en-US" altLang="zh-CN" baseline="0" dirty="0" smtClean="0"/>
-          </a:p>
-          <a:p>
-            <a:r>
-              <a:rPr lang="en-US" altLang="zh-CN" baseline="0" dirty="0" smtClean="0"/>
-              <a:t>In </a:t>
-            </a:r>
-            <a:r>
-              <a:rPr lang="en-US" altLang="zh-CN" baseline="0" dirty="0" err="1" smtClean="0"/>
-              <a:t>Xen</a:t>
-            </a:r>
-            <a:r>
-              <a:rPr lang="en-US" altLang="zh-CN" baseline="0" dirty="0" smtClean="0"/>
-              <a:t>, the communication between guest VMs and the software switch requires the hypervisor involvement. In each guest VM, there is a virtual Ethernet interface, which is connected to software switch in Dom0. They need the hypervisor to send interrupts and grant memory access to packets.</a:t>
-            </a:r>
-          </a:p>
-          <a:p>
-            <a:endParaRPr lang="en-US" altLang="zh-CN" baseline="0" dirty="0" smtClean="0"/>
-          </a:p>
-          <a:p>
-            <a:r>
-              <a:rPr lang="en-US" altLang="zh-CN" baseline="0" dirty="0" smtClean="0"/>
-              <a:t>We eliminate this hypervisor involvement by creating a dedicated shared memory region between each guest VM and Dom0. There are two FIFO buffers in this shared memory region, each of which is used for communication in one direction. Instead of relying on the hypervisor to send interrupts, both guest VMs and the software switch use polling to detect the incoming packets.</a:t>
-            </a:r>
-          </a:p>
-          <a:p>
-            <a:endParaRPr lang="en-US" altLang="zh-CN" baseline="0" dirty="0" smtClean="0"/>
-          </a:p>
-          <a:p>
-            <a:r>
-              <a:rPr lang="en-US" altLang="zh-CN" baseline="0" dirty="0" smtClean="0"/>
-              <a:t>In this way, we eliminate the hypervisor-guest interaction.</a:t>
-            </a:r>
-          </a:p>
-          <a:p>
-            <a:endParaRPr lang="en-US" altLang="zh-CN" baseline="0" dirty="0" smtClean="0"/>
-          </a:p>
-          <a:p>
-            <a:r>
-              <a:rPr lang="en-US" altLang="zh-CN" baseline="0" dirty="0" smtClean="0"/>
-              <a:t>polling</a:t>
-            </a:r>
             <a:endParaRPr lang="zh-CN" altLang="en-US" dirty="0"/>
           </a:p>
         </p:txBody>
@@ -2283,64 +1823,6 @@
           </a:bodyPr>
           <a:lstStyle/>
           <a:p>
-            <a:r>
-              <a:rPr lang="en-US" altLang="zh-CN" dirty="0" smtClean="0"/>
-              <a:t>Second, we limit damage from a compromised</a:t>
-            </a:r>
-            <a:r>
-              <a:rPr lang="en-US" altLang="zh-CN" baseline="0" dirty="0" smtClean="0"/>
-              <a:t> switch.</a:t>
-            </a:r>
-          </a:p>
-          <a:p>
-            <a:endParaRPr lang="en-US" altLang="zh-CN" baseline="0" dirty="0" smtClean="0"/>
-          </a:p>
-          <a:p>
-            <a:r>
-              <a:rPr lang="en-US" altLang="zh-CN" baseline="0" dirty="0" smtClean="0"/>
-              <a:t>As we have seen before, the coupling of the software </a:t>
-            </a:r>
-            <a:r>
-              <a:rPr lang="en-US" altLang="zh-CN" baseline="0" dirty="0" err="1" smtClean="0"/>
-              <a:t>swtich</a:t>
-            </a:r>
-            <a:r>
-              <a:rPr lang="en-US" altLang="zh-CN" baseline="0" dirty="0" smtClean="0"/>
-              <a:t> to Dom0 introduces vulnerabilities. We decouple the software switch from Dom0 by introducing a separate domain, called switch domain, or </a:t>
-            </a:r>
-            <a:r>
-              <a:rPr lang="en-US" altLang="zh-CN" baseline="0" dirty="0" err="1" smtClean="0"/>
-              <a:t>DomS</a:t>
-            </a:r>
-            <a:r>
-              <a:rPr lang="en-US" altLang="zh-CN" baseline="0" dirty="0" smtClean="0"/>
-              <a:t>. This switch domain runs the software switch. In this way, even if the switch domain crashes, it only causes very limited damage to the whole system. It is possible for Dom0 to reboot a new switch domain to replace the compromised switch domain.</a:t>
-            </a:r>
-          </a:p>
-          <a:p>
-            <a:endParaRPr lang="en-US" altLang="zh-CN" baseline="0" dirty="0" smtClean="0"/>
-          </a:p>
-          <a:p>
-            <a:r>
-              <a:rPr lang="en-US" altLang="zh-CN" baseline="0" dirty="0" smtClean="0"/>
-              <a:t>Moreover, we use the idea of </a:t>
-            </a:r>
-            <a:r>
-              <a:rPr lang="en-US" altLang="zh-CN" baseline="0" dirty="0" err="1" smtClean="0"/>
-              <a:t>NoHype</a:t>
-            </a:r>
-            <a:r>
-              <a:rPr lang="en-US" altLang="zh-CN" baseline="0" dirty="0" smtClean="0"/>
-              <a:t> to further decouple guest VMs and the hypervisor. The hypervisor sets up the shared memory between guest VMs and </a:t>
-            </a:r>
-            <a:r>
-              <a:rPr lang="en-US" altLang="zh-CN" baseline="0" dirty="0" err="1" smtClean="0"/>
-              <a:t>DomS</a:t>
-            </a:r>
-            <a:r>
-              <a:rPr lang="en-US" altLang="zh-CN" baseline="0" dirty="0" smtClean="0"/>
-              <a:t> during initialization. In the runtime, the hypervisor does not interact with guest VMs or switch domain.</a:t>
-            </a:r>
             <a:endParaRPr lang="zh-CN" altLang="en-US" dirty="0"/>
           </a:p>
         </p:txBody>
@@ -2423,73 +1905,7 @@
           </a:bodyPr>
           <a:lstStyle/>
           <a:p>
-            <a:r>
-              <a:rPr lang="en-US" altLang="zh-CN" dirty="0" smtClean="0"/>
-              <a:t>We implemented a prototype</a:t>
-            </a:r>
-            <a:r>
-              <a:rPr lang="en-US" altLang="zh-CN" baseline="0" dirty="0" smtClean="0"/>
-              <a:t> based on </a:t>
-            </a:r>
-            <a:r>
-              <a:rPr lang="en-US" altLang="zh-CN" baseline="0" dirty="0" err="1" smtClean="0"/>
-              <a:t>Xen</a:t>
-            </a:r>
-            <a:r>
-              <a:rPr lang="en-US" altLang="zh-CN" baseline="0" dirty="0" smtClean="0"/>
-              <a:t>, Linux and Open </a:t>
-            </a:r>
-            <a:r>
-              <a:rPr lang="en-US" altLang="zh-CN" baseline="0" dirty="0" err="1" smtClean="0"/>
-              <a:t>vSwitch</a:t>
-            </a:r>
-            <a:r>
-              <a:rPr lang="en-US" altLang="zh-CN" baseline="0" dirty="0" smtClean="0"/>
-              <a:t>.</a:t>
-            </a:r>
-          </a:p>
-          <a:p>
             <a:endParaRPr lang="en-US" altLang="zh-CN" baseline="0" dirty="0" smtClean="0"/>
-          </a:p>
-          <a:p>
-            <a:r>
-              <a:rPr lang="en-US" altLang="zh-CN" baseline="0" dirty="0" err="1" smtClean="0"/>
-              <a:t>Xen</a:t>
-            </a:r>
-            <a:r>
-              <a:rPr lang="en-US" altLang="zh-CN" baseline="0" dirty="0" smtClean="0"/>
-              <a:t> is only used to boot up and shut down guest VMs. In the runtime, the </a:t>
-            </a:r>
-            <a:r>
-              <a:rPr lang="en-US" altLang="zh-CN" baseline="0" dirty="0" err="1" smtClean="0"/>
-              <a:t>Xen</a:t>
-            </a:r>
-            <a:r>
-              <a:rPr lang="en-US" altLang="zh-CN" baseline="0" dirty="0" smtClean="0"/>
-              <a:t> hypervisor does not interact with guest VMs and </a:t>
-            </a:r>
-            <a:r>
-              <a:rPr lang="en-US" altLang="zh-CN" baseline="0" dirty="0" err="1" smtClean="0"/>
-              <a:t>DomS</a:t>
-            </a:r>
-            <a:r>
-              <a:rPr lang="en-US" altLang="zh-CN" baseline="0" dirty="0" smtClean="0"/>
-              <a:t>.</a:t>
-            </a:r>
-          </a:p>
-          <a:p>
-            <a:r>
-              <a:rPr lang="en-US" altLang="zh-CN" baseline="0" dirty="0" smtClean="0"/>
-              <a:t>We implemented two kernel modules, one in guest VM, and the other in </a:t>
-            </a:r>
-            <a:r>
-              <a:rPr lang="en-US" altLang="zh-CN" baseline="0" dirty="0" err="1" smtClean="0"/>
-              <a:t>DomS</a:t>
-            </a:r>
-            <a:r>
-              <a:rPr lang="en-US" altLang="zh-CN" baseline="0" dirty="0" smtClean="0"/>
-              <a:t>. These kernel modules set up two FIFO buffers for communication during initialization. During runtime, they poll the FIFO buffers to receive packets.</a:t>
-            </a:r>
           </a:p>
         </p:txBody>
       </p:sp>
@@ -2571,46 +1987,7 @@
           </a:bodyPr>
           <a:lstStyle/>
           <a:p>
-            <a:r>
-              <a:rPr lang="en-US" altLang="zh-CN" dirty="0" smtClean="0"/>
-              <a:t>We evaluated the throughput between </a:t>
-            </a:r>
-            <a:r>
-              <a:rPr lang="en-US" altLang="zh-CN" dirty="0" err="1" smtClean="0"/>
-              <a:t>DomS</a:t>
-            </a:r>
-            <a:r>
-              <a:rPr lang="en-US" altLang="zh-CN" dirty="0" smtClean="0"/>
-              <a:t> and a guest VM, and compared the performance of our system with that of native </a:t>
-            </a:r>
-            <a:r>
-              <a:rPr lang="en-US" altLang="zh-CN" dirty="0" err="1" smtClean="0"/>
-              <a:t>Xen</a:t>
-            </a:r>
-            <a:r>
-              <a:rPr lang="en-US" altLang="zh-CN" dirty="0" smtClean="0"/>
-              <a:t>.</a:t>
-            </a:r>
-          </a:p>
-          <a:p>
-            <a:r>
-              <a:rPr lang="en-US" altLang="zh-CN" baseline="0" dirty="0" smtClean="0"/>
-              <a:t>We use </a:t>
-            </a:r>
-            <a:r>
-              <a:rPr lang="en-US" altLang="zh-CN" baseline="0" dirty="0" err="1" smtClean="0"/>
-              <a:t>netperf</a:t>
-            </a:r>
-            <a:r>
-              <a:rPr lang="en-US" altLang="zh-CN" baseline="0" dirty="0" smtClean="0"/>
-              <a:t> to measure the traffic.</a:t>
-            </a:r>
-          </a:p>
-          <a:p>
-            <a:r>
-              <a:rPr lang="en-US" altLang="zh-CN" baseline="0" dirty="0" smtClean="0"/>
-              <a:t>For each VM, we configured it with 1 processor core and 1 GB of memory.</a:t>
-            </a:r>
+            <a:endParaRPr lang="en-US" altLang="zh-CN" baseline="0" dirty="0" smtClean="0"/>
           </a:p>
         </p:txBody>
       </p:sp>
@@ -2692,46 +2069,6 @@
           </a:bodyPr>
           <a:lstStyle/>
           <a:p>
-            <a:r>
-              <a:rPr lang="en-US" altLang="zh-CN" dirty="0" smtClean="0"/>
-              <a:t>First, we evaluated the impact of FIFO size and polling period on throughput.</a:t>
-            </a:r>
-            <a:endParaRPr lang="en-US" altLang="zh-CN" baseline="0" dirty="0" smtClean="0"/>
-          </a:p>
-          <a:p>
-            <a:endParaRPr lang="en-US" altLang="zh-CN" baseline="0" dirty="0" smtClean="0"/>
-          </a:p>
-          <a:p>
-            <a:r>
-              <a:rPr lang="en-US" altLang="zh-CN" baseline="0" dirty="0" smtClean="0"/>
-              <a:t>The first figure shows the relationship between FIFO size and throughput. We can see that, when we use more FIFO pages, the system achieves higher throughput. And the system can achieve a very high throughput with only 256 FIFO pages, which is only about 1MB. This means even for very high performance, our system does not consume too much memory.</a:t>
-            </a:r>
-          </a:p>
-          <a:p>
-            <a:endParaRPr lang="en-US" altLang="zh-CN" baseline="0" dirty="0" smtClean="0"/>
-          </a:p>
-          <a:p>
-            <a:r>
-              <a:rPr lang="en-US" altLang="zh-CN" baseline="0" dirty="0" smtClean="0"/>
-              <a:t>The second figure shows the relationship between polling period and throughput. When the system polls more frequently, it achieves higher throughput. However, when the system polls more frequently, it also consumes more CPU resources. So there is a tradeoff between performance and resource consumption here. Further exploration in this tradeoff is part of our future work.</a:t>
-            </a:r>
-          </a:p>
-          <a:p>
-            <a:endParaRPr lang="en-US" altLang="zh-CN" baseline="0" dirty="0" smtClean="0"/>
-          </a:p>
-          <a:p>
-            <a:r>
-              <a:rPr lang="en-US" altLang="zh-CN" baseline="0" dirty="0" smtClean="0"/>
-              <a:t>Polling period vs. latency (</a:t>
-            </a:r>
-            <a:r>
-              <a:rPr lang="en-US" altLang="zh-CN" baseline="0" dirty="0" err="1" smtClean="0"/>
-              <a:t>Xen</a:t>
-            </a:r>
-            <a:r>
-              <a:rPr lang="en-US" altLang="zh-CN" baseline="0" dirty="0" smtClean="0"/>
-              <a:t>)</a:t>
-            </a:r>
             <a:endParaRPr lang="zh-CN" altLang="en-US" dirty="0"/>
           </a:p>
         </p:txBody>
@@ -2814,81 +2151,6 @@
           </a:bodyPr>
           <a:lstStyle/>
           <a:p>
-            <a:r>
-              <a:rPr lang="en-US" altLang="zh-CN" dirty="0" smtClean="0"/>
-              <a:t>We also compared the performance of our solution with that of native</a:t>
-            </a:r>
-            <a:r>
-              <a:rPr lang="en-US" altLang="zh-CN" baseline="0" dirty="0" smtClean="0"/>
-              <a:t> </a:t>
-            </a:r>
-            <a:r>
-              <a:rPr lang="en-US" altLang="zh-CN" baseline="0" dirty="0" err="1" smtClean="0"/>
-              <a:t>Xen</a:t>
-            </a:r>
-            <a:r>
-              <a:rPr lang="en-US" altLang="zh-CN" baseline="0" dirty="0" smtClean="0"/>
-              <a:t>.</a:t>
-            </a:r>
-          </a:p>
-          <a:p>
-            <a:endParaRPr lang="en-US" altLang="zh-CN" baseline="0" dirty="0" smtClean="0"/>
-          </a:p>
-          <a:p>
-            <a:r>
-              <a:rPr lang="en-US" altLang="zh-CN" baseline="0" dirty="0" smtClean="0"/>
-              <a:t>From the figure, we can see that our solution outperforms native </a:t>
-            </a:r>
-            <a:r>
-              <a:rPr lang="en-US" altLang="zh-CN" baseline="0" dirty="0" err="1" smtClean="0"/>
-              <a:t>Xen</a:t>
-            </a:r>
-            <a:r>
-              <a:rPr lang="en-US" altLang="zh-CN" baseline="0" dirty="0" smtClean="0"/>
-              <a:t> when the message size is smaller than 8KB. This is because in native </a:t>
-            </a:r>
-            <a:r>
-              <a:rPr lang="en-US" altLang="zh-CN" baseline="0" dirty="0" err="1" smtClean="0"/>
-              <a:t>Xen</a:t>
-            </a:r>
-            <a:r>
-              <a:rPr lang="en-US" altLang="zh-CN" baseline="0" dirty="0" smtClean="0"/>
-              <a:t> the communication between a guest VM and the software switch in Dom0 requires the hypervisor involvement. This introduces many transitions between VMs and the hypervisor, which has lots of overhead. But our system uses dedicated shared memory to transmit packets and uses polling to detect incoming packets. It doesn’t have this kind of overhead at all.</a:t>
-            </a:r>
-          </a:p>
-          <a:p>
-            <a:endParaRPr lang="en-US" altLang="zh-CN" baseline="0" dirty="0" smtClean="0"/>
-          </a:p>
-          <a:p>
-            <a:r>
-              <a:rPr lang="en-US" altLang="zh-CN" baseline="0" dirty="0" smtClean="0"/>
-              <a:t>However, when the message size is bigger than 8KB, native </a:t>
-            </a:r>
-            <a:r>
-              <a:rPr lang="en-US" altLang="zh-CN" baseline="0" dirty="0" err="1" smtClean="0"/>
-              <a:t>Xen</a:t>
-            </a:r>
-            <a:r>
-              <a:rPr lang="en-US" altLang="zh-CN" baseline="0" dirty="0" smtClean="0"/>
-              <a:t> outperforms our system. This is because </a:t>
-            </a:r>
-            <a:r>
-              <a:rPr lang="en-US" altLang="zh-CN" baseline="0" dirty="0" err="1" smtClean="0"/>
-              <a:t>Xen</a:t>
-            </a:r>
-            <a:r>
-              <a:rPr lang="en-US" altLang="zh-CN" baseline="0" dirty="0" smtClean="0"/>
-              <a:t> has already done some optimization. When the message size is larger than 8KB, the optimization gain dominates. Our system is only a preliminary prototype. We plan to incorporate more optimization in the future.</a:t>
-            </a:r>
-          </a:p>
-          <a:p>
-            <a:endParaRPr lang="en-US" altLang="zh-CN" baseline="0" dirty="0" smtClean="0"/>
-          </a:p>
-          <a:p>
-            <a:r>
-              <a:rPr lang="en-US" altLang="zh-CN" baseline="0" dirty="0" smtClean="0"/>
-              <a:t>Transition</a:t>
-            </a:r>
             <a:endParaRPr lang="zh-CN" altLang="en-US" dirty="0"/>
           </a:p>
         </p:txBody>
@@ -2971,23 +2233,7 @@
           </a:bodyPr>
           <a:lstStyle/>
           <a:p>
-            <a:r>
-              <a:rPr lang="en-US" altLang="zh-CN" dirty="0" smtClean="0"/>
-              <a:t>Cloud computing is a major</a:t>
-            </a:r>
-            <a:r>
-              <a:rPr lang="en-US" altLang="zh-CN" baseline="0" dirty="0" smtClean="0"/>
-              <a:t> trend in IT industry. Cloud providers, like Amazon and Microsoft, offer computing resources on demand to multiple tenants.</a:t>
-            </a:r>
-          </a:p>
-          <a:p>
             <a:endParaRPr lang="en-US" altLang="zh-CN" baseline="0" dirty="0" smtClean="0"/>
-          </a:p>
-          <a:p>
-            <a:r>
-              <a:rPr lang="en-US" altLang="zh-CN" baseline="0" dirty="0" smtClean="0"/>
-              <a:t>It has many benefits. It is public so anyone can use it. It has economies of scale so that it can lower cost. It uses a pay-as-you-go mode so it provides more flexibility for its customers.</a:t>
-            </a:r>
           </a:p>
         </p:txBody>
       </p:sp>
@@ -3069,49 +2315,6 @@
           </a:bodyPr>
           <a:lstStyle/>
           <a:p>
-            <a:r>
-              <a:rPr lang="en-US" altLang="zh-CN" dirty="0" smtClean="0"/>
-              <a:t>In conclusion, there is a trend towards</a:t>
-            </a:r>
-            <a:r>
-              <a:rPr lang="en-US" altLang="zh-CN" baseline="0" dirty="0" smtClean="0"/>
-              <a:t> software switching in the cloud today. However, security is a major concern that impedes customers from moving to the cloud.</a:t>
-            </a:r>
-          </a:p>
-          <a:p>
-            <a:endParaRPr lang="en-US" altLang="zh-CN" baseline="0" dirty="0" smtClean="0"/>
-          </a:p>
-          <a:p>
-            <a:r>
-              <a:rPr lang="en-US" altLang="zh-CN" baseline="0" dirty="0" smtClean="0"/>
-              <a:t>We improved security by eliminating the hypervisor attack surface while still enabling software switching in an efficient way.</a:t>
-            </a:r>
-          </a:p>
-          <a:p>
-            <a:endParaRPr lang="en-US" altLang="zh-CN" baseline="0" dirty="0" smtClean="0"/>
-          </a:p>
-          <a:p>
-            <a:r>
-              <a:rPr lang="en-US" altLang="zh-CN" baseline="0" dirty="0" smtClean="0"/>
-              <a:t>In our architecture, it is still possible for a malicious customer to attack the switch domain via the FIFO buffers. In the future, we’ll explore how to detect and remediate this kind of </a:t>
-            </a:r>
-            <a:r>
-              <a:rPr lang="en-US" altLang="zh-CN" baseline="0" dirty="0" err="1" smtClean="0"/>
-              <a:t>DomS</a:t>
-            </a:r>
-            <a:r>
-              <a:rPr lang="en-US" altLang="zh-CN" baseline="0" dirty="0" smtClean="0"/>
-              <a:t> compromise.</a:t>
-            </a:r>
-          </a:p>
-          <a:p>
-            <a:endParaRPr lang="en-US" altLang="zh-CN" baseline="0" dirty="0" smtClean="0"/>
-          </a:p>
-          <a:p>
-            <a:r>
-              <a:rPr lang="en-US" altLang="zh-CN" baseline="0" dirty="0" smtClean="0"/>
-              <a:t>Thank you!</a:t>
-            </a:r>
             <a:endParaRPr lang="zh-CN" altLang="en-US" dirty="0"/>
           </a:p>
         </p:txBody>
@@ -3194,275 +2397,6 @@
           </a:bodyPr>
           <a:lstStyle/>
           <a:p>
-            <a:r>
-              <a:rPr lang="en-US" sz="1200" kern="1200" dirty="0" smtClean="0">
-                <a:solidFill>
-                  <a:schemeClr val="tx1"/>
-                </a:solidFill>
-                <a:latin typeface="+mn-lt"/>
-                <a:ea typeface="+mn-ea"/>
-                <a:cs typeface="+mn-cs"/>
-              </a:rPr>
-              <a:t>Q from crowd: How is memory isolated.  My suggestion: Put on Eliminate Hypervisor Guest Interaction Slide (put memory above each VM, and show 1 region in VM1’s memory that’s been shared with Dom0, and say that the hypervisor sets up this memory at boot time and hardware enforces the isolation)</a:t>
-            </a:r>
-          </a:p>
-          <a:p>
-            <a:endParaRPr lang="en-US" sz="1200" kern="1200" dirty="0" smtClean="0">
-              <a:solidFill>
-                <a:schemeClr val="tx1"/>
-              </a:solidFill>
-              <a:latin typeface="+mn-lt"/>
-              <a:ea typeface="+mn-ea"/>
-              <a:cs typeface="+mn-cs"/>
-            </a:endParaRPr>
-          </a:p>
-          <a:p>
-            <a:r>
-              <a:rPr lang="en-US" sz="1200" kern="1200" dirty="0" smtClean="0">
-                <a:solidFill>
-                  <a:schemeClr val="tx1"/>
-                </a:solidFill>
-                <a:latin typeface="+mn-lt"/>
-                <a:ea typeface="+mn-ea"/>
-                <a:cs typeface="+mn-cs"/>
-              </a:rPr>
-              <a:t>Audience's questions/comments</a:t>
-            </a:r>
-          </a:p>
-          <a:p>
-            <a:endParaRPr lang="en-US" sz="1200" kern="1200" dirty="0" smtClean="0">
-              <a:solidFill>
-                <a:schemeClr val="tx1"/>
-              </a:solidFill>
-              <a:latin typeface="+mn-lt"/>
-              <a:ea typeface="+mn-ea"/>
-              <a:cs typeface="+mn-cs"/>
-            </a:endParaRPr>
-          </a:p>
-          <a:p>
-            <a:r>
-              <a:rPr lang="en-US" sz="1200" kern="1200" dirty="0" smtClean="0">
-                <a:solidFill>
-                  <a:schemeClr val="tx1"/>
-                </a:solidFill>
-                <a:latin typeface="+mn-lt"/>
-                <a:ea typeface="+mn-ea"/>
-                <a:cs typeface="+mn-cs"/>
-              </a:rPr>
-              <a:t>- If the hypervisor is not involved, what keeps a VM from over-writing the</a:t>
-            </a:r>
-          </a:p>
-          <a:p>
-            <a:r>
-              <a:rPr lang="en-US" sz="1200" kern="1200" dirty="0" smtClean="0">
-                <a:solidFill>
-                  <a:schemeClr val="tx1"/>
-                </a:solidFill>
-                <a:latin typeface="+mn-lt"/>
-                <a:ea typeface="+mn-ea"/>
-                <a:cs typeface="+mn-cs"/>
-              </a:rPr>
-              <a:t>pages of the switch or another VM?  (I think you should explain this issue more</a:t>
-            </a:r>
-          </a:p>
-          <a:p>
-            <a:r>
-              <a:rPr lang="en-US" sz="1200" kern="1200" dirty="0" smtClean="0">
-                <a:solidFill>
-                  <a:schemeClr val="tx1"/>
-                </a:solidFill>
-                <a:latin typeface="+mn-lt"/>
-                <a:ea typeface="+mn-ea"/>
-                <a:cs typeface="+mn-cs"/>
-              </a:rPr>
-              <a:t>in the talk itself, to avoid these kinds of questions.  You should give a crisp</a:t>
-            </a:r>
-          </a:p>
-          <a:p>
-            <a:r>
-              <a:rPr lang="en-US" sz="1200" kern="1200" dirty="0" smtClean="0">
-                <a:solidFill>
-                  <a:schemeClr val="tx1"/>
-                </a:solidFill>
-                <a:latin typeface="+mn-lt"/>
-                <a:ea typeface="+mn-ea"/>
-                <a:cs typeface="+mn-cs"/>
-              </a:rPr>
-              <a:t>explanation for why a guest VM cannot attack the soft switch via the shared</a:t>
-            </a:r>
-          </a:p>
-          <a:p>
-            <a:r>
-              <a:rPr lang="en-US" sz="1200" kern="1200" dirty="0" smtClean="0">
-                <a:solidFill>
-                  <a:schemeClr val="tx1"/>
-                </a:solidFill>
-                <a:latin typeface="+mn-lt"/>
-                <a:ea typeface="+mn-ea"/>
-                <a:cs typeface="+mn-cs"/>
-              </a:rPr>
-              <a:t>pages, by explaining more clearly how the pages are created, and by whom,</a:t>
-            </a:r>
-          </a:p>
-          <a:p>
-            <a:r>
-              <a:rPr lang="en-US" sz="1200" kern="1200" dirty="0" smtClean="0">
-                <a:solidFill>
-                  <a:schemeClr val="tx1"/>
-                </a:solidFill>
-                <a:latin typeface="+mn-lt"/>
-                <a:ea typeface="+mn-ea"/>
-                <a:cs typeface="+mn-cs"/>
-              </a:rPr>
-              <a:t>and what protection mechanisms are in place.)</a:t>
-            </a:r>
-          </a:p>
-          <a:p>
-            <a:endParaRPr lang="en-US" sz="1200" kern="1200" dirty="0" smtClean="0">
-              <a:solidFill>
-                <a:schemeClr val="tx1"/>
-              </a:solidFill>
-              <a:latin typeface="+mn-lt"/>
-              <a:ea typeface="+mn-ea"/>
-              <a:cs typeface="+mn-cs"/>
-            </a:endParaRPr>
-          </a:p>
-          <a:p>
-            <a:r>
-              <a:rPr lang="en-US" sz="1200" kern="1200" dirty="0" smtClean="0">
-                <a:solidFill>
-                  <a:schemeClr val="tx1"/>
-                </a:solidFill>
-                <a:latin typeface="+mn-lt"/>
-                <a:ea typeface="+mn-ea"/>
-                <a:cs typeface="+mn-cs"/>
-              </a:rPr>
-              <a:t>- How do you avoid someone from impersonating the software switch? What</a:t>
-            </a:r>
-          </a:p>
-          <a:p>
-            <a:r>
-              <a:rPr lang="en-US" sz="1200" kern="1200" dirty="0" smtClean="0">
-                <a:solidFill>
-                  <a:schemeClr val="tx1"/>
-                </a:solidFill>
-                <a:latin typeface="+mn-lt"/>
-                <a:ea typeface="+mn-ea"/>
-                <a:cs typeface="+mn-cs"/>
-              </a:rPr>
-              <a:t>makes the software switch special?</a:t>
-            </a:r>
-          </a:p>
-          <a:p>
-            <a:endParaRPr lang="en-US" sz="1200" kern="1200" dirty="0" smtClean="0">
-              <a:solidFill>
-                <a:schemeClr val="tx1"/>
-              </a:solidFill>
-              <a:latin typeface="+mn-lt"/>
-              <a:ea typeface="+mn-ea"/>
-              <a:cs typeface="+mn-cs"/>
-            </a:endParaRPr>
-          </a:p>
-          <a:p>
-            <a:r>
-              <a:rPr lang="en-US" sz="1200" kern="1200" dirty="0" smtClean="0">
-                <a:solidFill>
-                  <a:schemeClr val="tx1"/>
-                </a:solidFill>
-                <a:latin typeface="+mn-lt"/>
-                <a:ea typeface="+mn-ea"/>
-                <a:cs typeface="+mn-cs"/>
-              </a:rPr>
-              <a:t>- What does "message" really mean?  Is it a packet?  TCP doesn't have messages,</a:t>
-            </a:r>
-          </a:p>
-          <a:p>
-            <a:r>
-              <a:rPr lang="en-US" sz="1200" kern="1200" dirty="0" smtClean="0">
-                <a:solidFill>
-                  <a:schemeClr val="tx1"/>
-                </a:solidFill>
-                <a:latin typeface="+mn-lt"/>
-                <a:ea typeface="+mn-ea"/>
-                <a:cs typeface="+mn-cs"/>
-              </a:rPr>
-              <a:t>so this is confusing.  Is 8KB a big number or a small number?</a:t>
-            </a:r>
-          </a:p>
-          <a:p>
-            <a:endParaRPr lang="en-US" sz="1200" kern="1200" dirty="0" smtClean="0">
-              <a:solidFill>
-                <a:schemeClr val="tx1"/>
-              </a:solidFill>
-              <a:latin typeface="+mn-lt"/>
-              <a:ea typeface="+mn-ea"/>
-              <a:cs typeface="+mn-cs"/>
-            </a:endParaRPr>
-          </a:p>
-          <a:p>
-            <a:r>
-              <a:rPr lang="en-US" sz="1200" kern="1200" dirty="0" smtClean="0">
-                <a:solidFill>
-                  <a:schemeClr val="tx1"/>
-                </a:solidFill>
-                <a:latin typeface="+mn-lt"/>
-                <a:ea typeface="+mn-ea"/>
-                <a:cs typeface="+mn-cs"/>
-              </a:rPr>
-              <a:t>- You may also be asked questions like</a:t>
-            </a:r>
-          </a:p>
-          <a:p>
-            <a:r>
-              <a:rPr lang="en-US" sz="1200" kern="1200" dirty="0" smtClean="0">
-                <a:solidFill>
-                  <a:schemeClr val="tx1"/>
-                </a:solidFill>
-                <a:latin typeface="+mn-lt"/>
-                <a:ea typeface="+mn-ea"/>
-                <a:cs typeface="+mn-cs"/>
-              </a:rPr>
-              <a:t>       * Are there any examples of compromises of a hypervisor in the real world?</a:t>
-            </a:r>
-          </a:p>
-          <a:p>
-            <a:r>
-              <a:rPr lang="en-US" sz="1200" kern="1200" dirty="0" smtClean="0">
-                <a:solidFill>
-                  <a:schemeClr val="tx1"/>
-                </a:solidFill>
-                <a:latin typeface="+mn-lt"/>
-                <a:ea typeface="+mn-ea"/>
-                <a:cs typeface="+mn-cs"/>
-              </a:rPr>
-              <a:t>       * The shared pages (between the guest and the switch) provide a channel</a:t>
-            </a:r>
-          </a:p>
-          <a:p>
-            <a:r>
-              <a:rPr lang="en-US" sz="1200" kern="1200" dirty="0" smtClean="0">
-                <a:solidFill>
-                  <a:schemeClr val="tx1"/>
-                </a:solidFill>
-                <a:latin typeface="+mn-lt"/>
-                <a:ea typeface="+mn-ea"/>
-                <a:cs typeface="+mn-cs"/>
-              </a:rPr>
-              <a:t>             for attack.  What prevents that vulnerability from compromising the</a:t>
-            </a:r>
-          </a:p>
-          <a:p>
-            <a:r>
-              <a:rPr lang="en-US" sz="1200" kern="1200" smtClean="0">
-                <a:solidFill>
-                  <a:schemeClr val="tx1"/>
-                </a:solidFill>
-                <a:latin typeface="+mn-lt"/>
-                <a:ea typeface="+mn-ea"/>
-                <a:cs typeface="+mn-cs"/>
-              </a:rPr>
-              <a:t>             security of the system?</a:t>
-            </a:r>
             <a:endParaRPr lang="en-US" sz="1200" kern="1200" dirty="0" smtClean="0">
               <a:solidFill>
                 <a:schemeClr val="tx1"/>
@@ -3501,7 +2435,7 @@
     </p:spTree>
     <p:extLst>
       <p:ext uri="{BB962C8B-B14F-4D97-AF65-F5344CB8AC3E}">
-        <p14:creationId xmlns:p14="http://schemas.microsoft.com/office/powerpoint/2010/main" xmlns="" val="512686985"/>
+        <p14:creationId xmlns:p14="http://schemas.microsoft.com/office/powerpoint/2010/main" val="512686985"/>
       </p:ext>
     </p:extLst>
   </p:cSld>
@@ -3557,35 +2491,7 @@
           </a:bodyPr>
           <a:lstStyle/>
           <a:p>
-            <a:r>
-              <a:rPr lang="en-US" altLang="zh-CN" dirty="0" smtClean="0"/>
-              <a:t>Virtualization is one</a:t>
-            </a:r>
-            <a:r>
-              <a:rPr lang="en-US" altLang="zh-CN" baseline="0" dirty="0" smtClean="0"/>
-              <a:t> of the key technologies behind cloud computing. With server virtualization, cloud providers are able to run multiple virtual machines on the same server. In this way, they can make efficient use of server resources. Also, server virtualization can provide backward compatibility.</a:t>
-            </a:r>
-          </a:p>
-          <a:p>
             <a:endParaRPr lang="en-US" altLang="zh-CN" baseline="0" dirty="0" smtClean="0"/>
-          </a:p>
-          <a:p>
-            <a:r>
-              <a:rPr lang="en-US" altLang="zh-CN" baseline="0" dirty="0" err="1" smtClean="0"/>
-              <a:t>Xen</a:t>
-            </a:r>
-            <a:r>
-              <a:rPr lang="en-US" altLang="zh-CN" baseline="0" dirty="0" smtClean="0"/>
-              <a:t>, KVM and VMware are three popular virtualization </a:t>
-            </a:r>
-            <a:r>
-              <a:rPr lang="en-US" altLang="zh-CN" baseline="0" dirty="0" err="1" smtClean="0"/>
-              <a:t>softwares</a:t>
-            </a:r>
-            <a:r>
-              <a:rPr lang="en-US" altLang="zh-CN" baseline="0" dirty="0" smtClean="0"/>
-              <a:t> being used today.</a:t>
-            </a:r>
           </a:p>
         </p:txBody>
       </p:sp>
@@ -3667,48 +2573,6 @@
           </a:bodyPr>
           <a:lstStyle/>
           <a:p>
-            <a:r>
-              <a:rPr lang="en-US" altLang="zh-CN" dirty="0" smtClean="0"/>
-              <a:t>Besides server virtualization, nowadays, cloud providers increasingly rely on software switches to virtualize the underlying network.</a:t>
-            </a:r>
-          </a:p>
-          <a:p>
-            <a:endParaRPr lang="en-US" altLang="zh-CN" dirty="0" smtClean="0"/>
-          </a:p>
-          <a:p>
-            <a:r>
-              <a:rPr lang="en-US" altLang="zh-CN" dirty="0" smtClean="0"/>
-              <a:t>Software</a:t>
-            </a:r>
-            <a:r>
-              <a:rPr lang="en-US" altLang="zh-CN" baseline="0" dirty="0" smtClean="0"/>
-              <a:t> switches often run in the hypervisor or the control VM. They can provider very flexible control at the edge, for example, access control, resource and name space isolation, and efficient communication between co-located VMs.</a:t>
-            </a:r>
-          </a:p>
-          <a:p>
-            <a:endParaRPr lang="en-US" altLang="zh-CN" baseline="0" dirty="0" smtClean="0"/>
-          </a:p>
-          <a:p>
-            <a:r>
-              <a:rPr lang="en-US" altLang="zh-CN" baseline="0" dirty="0" smtClean="0"/>
-              <a:t>Open </a:t>
-            </a:r>
-            <a:r>
-              <a:rPr lang="en-US" altLang="zh-CN" baseline="0" dirty="0" err="1" smtClean="0"/>
-              <a:t>vSwitch</a:t>
-            </a:r>
-            <a:r>
-              <a:rPr lang="en-US" altLang="zh-CN" baseline="0" dirty="0" smtClean="0"/>
-              <a:t>, VMware’s </a:t>
-            </a:r>
-            <a:r>
-              <a:rPr lang="en-US" altLang="zh-CN" baseline="0" dirty="0" err="1" smtClean="0"/>
-              <a:t>vSwitch</a:t>
-            </a:r>
-            <a:r>
-              <a:rPr lang="en-US" altLang="zh-CN" baseline="0" dirty="0" smtClean="0"/>
-              <a:t>, and Cisco’s Nexus 1000v Switch are some examples of software switches.</a:t>
-            </a:r>
             <a:endParaRPr lang="zh-CN" altLang="en-US" dirty="0"/>
           </a:p>
         </p:txBody>
@@ -3789,23 +2653,6 @@
           <a:bodyPr/>
           <a:lstStyle/>
           <a:p>
-            <a:r>
-              <a:rPr lang="en-US" altLang="zh-CN" dirty="0" smtClean="0"/>
-              <a:t>Despite these</a:t>
-            </a:r>
-            <a:r>
-              <a:rPr lang="en-US" altLang="zh-CN" baseline="0" dirty="0" smtClean="0"/>
-              <a:t> benefits clouding computing can provide, security  is a major concern that impede customers from moving to the cloud.</a:t>
-            </a:r>
-          </a:p>
-          <a:p>
-            <a:endParaRPr lang="en-US" baseline="0" dirty="0" smtClean="0"/>
-          </a:p>
-          <a:p>
-            <a:r>
-              <a:rPr lang="en-US" baseline="0" dirty="0" smtClean="0"/>
-              <a:t>Now let’s take a closer look at where the vulnerabilities are.</a:t>
-            </a:r>
             <a:endParaRPr lang="en-US" dirty="0"/>
           </a:p>
         </p:txBody>
@@ -3837,7 +2684,7 @@
     </p:spTree>
     <p:extLst>
       <p:ext uri="{BB962C8B-B14F-4D97-AF65-F5344CB8AC3E}">
-        <p14:creationId xmlns:p14="http://schemas.microsoft.com/office/powerpoint/2010/main" xmlns="" val="1014207681"/>
+        <p14:creationId xmlns:p14="http://schemas.microsoft.com/office/powerpoint/2010/main" val="1014207681"/>
       </p:ext>
     </p:extLst>
   </p:cSld>
@@ -3893,31 +2740,6 @@
           </a:bodyPr>
           <a:lstStyle/>
           <a:p>
-            <a:r>
-              <a:rPr lang="en-US" altLang="zh-CN" dirty="0" smtClean="0"/>
-              <a:t>Server virtualization enable</a:t>
-            </a:r>
-            <a:r>
-              <a:rPr lang="en-US" altLang="zh-CN" baseline="0" dirty="0" smtClean="0"/>
-              <a:t>s several VMs to run on the same server. However, the hypervisor layer today is quite complex, which forms a very large trusted computing base. For example, the </a:t>
-            </a:r>
-            <a:r>
-              <a:rPr lang="en-US" altLang="zh-CN" baseline="0" dirty="0" err="1" smtClean="0"/>
-              <a:t>Xen</a:t>
-            </a:r>
-            <a:r>
-              <a:rPr lang="en-US" altLang="zh-CN" baseline="0" dirty="0" smtClean="0"/>
-              <a:t> hypervisor has more than 200K lines of code.</a:t>
-            </a:r>
-          </a:p>
-          <a:p>
-            <a:endParaRPr lang="en-US" altLang="zh-CN" baseline="0" dirty="0" smtClean="0"/>
-          </a:p>
-          <a:p>
-            <a:r>
-              <a:rPr lang="en-US" altLang="zh-CN" baseline="0" dirty="0" smtClean="0"/>
-              <a:t>With such a large amount of code, bugs are inevitable, as evidenced by NIST’s National Vulnerability Database.</a:t>
-            </a:r>
             <a:endParaRPr lang="zh-CN" altLang="en-US" dirty="0"/>
           </a:p>
         </p:txBody>
@@ -4000,14 +2822,7 @@
           </a:bodyPr>
           <a:lstStyle/>
           <a:p>
-            <a:r>
-              <a:rPr lang="en-US" altLang="zh-CN" dirty="0" smtClean="0"/>
-              <a:t>A malicious customer</a:t>
-            </a:r>
-            <a:r>
-              <a:rPr lang="en-US" altLang="zh-CN" baseline="0" dirty="0" smtClean="0"/>
-              <a:t> can exploit these bugs to attack the hypervisor, so as to access or obstruct other VMs.</a:t>
-            </a:r>
+            <a:endParaRPr lang="en-US" altLang="zh-CN" baseline="0" dirty="0" smtClean="0"/>
           </a:p>
         </p:txBody>
       </p:sp>
@@ -4089,53 +2904,6 @@
           </a:bodyPr>
           <a:lstStyle/>
           <a:p>
-            <a:r>
-              <a:rPr lang="en-US" altLang="zh-CN" dirty="0" smtClean="0"/>
-              <a:t>Besides server virtualization, network</a:t>
-            </a:r>
-            <a:r>
-              <a:rPr lang="en-US" altLang="zh-CN" baseline="0" dirty="0" smtClean="0"/>
-              <a:t> virtualization also has vulnerabilities. This figure </a:t>
-            </a:r>
-            <a:r>
-              <a:rPr lang="en-US" altLang="zh-CN" dirty="0" smtClean="0"/>
-              <a:t>shows how </a:t>
-            </a:r>
-            <a:r>
-              <a:rPr lang="en-US" altLang="zh-CN" dirty="0" err="1" smtClean="0"/>
-              <a:t>Xen</a:t>
-            </a:r>
-            <a:r>
-              <a:rPr lang="en-US" altLang="zh-CN" dirty="0" smtClean="0"/>
-              <a:t> does network virtualization.</a:t>
-            </a:r>
-            <a:endParaRPr lang="en-US" altLang="zh-CN" baseline="0" dirty="0" smtClean="0"/>
-          </a:p>
-          <a:p>
-            <a:endParaRPr lang="en-US" altLang="zh-CN" baseline="0" dirty="0" smtClean="0"/>
-          </a:p>
-          <a:p>
-            <a:r>
-              <a:rPr lang="en-US" altLang="zh-CN" baseline="0" dirty="0" smtClean="0"/>
-              <a:t>In </a:t>
-            </a:r>
-            <a:r>
-              <a:rPr lang="en-US" altLang="zh-CN" baseline="0" dirty="0" err="1" smtClean="0"/>
-              <a:t>Xen</a:t>
-            </a:r>
-            <a:r>
-              <a:rPr lang="en-US" altLang="zh-CN" baseline="0" dirty="0" smtClean="0"/>
-              <a:t>, the software switch runs in control VM, or Dom0, by default. In each guest VM, there is a virtual Ethernet interface, which is connected to the software switch in Dom0. The software switch in Dom0 is connected to the actual physical NIC. All guest VMs’ network traffic is first sent to the software switch. Then according to the destination, the software switch either send the traffic to co-located guest VMs or send out through the physical NIC.</a:t>
-            </a:r>
-          </a:p>
-          <a:p>
-            <a:endParaRPr lang="en-US" altLang="zh-CN" baseline="0" dirty="0" smtClean="0"/>
-          </a:p>
-          <a:p>
-            <a:r>
-              <a:rPr lang="en-US" altLang="zh-CN" baseline="0" dirty="0" smtClean="0"/>
-              <a:t>The communication between the virtual Ethernet interface in guest VM and the software switch in Dom0 requires hypervisor’s involvement.</a:t>
-            </a:r>
             <a:endParaRPr lang="zh-CN" altLang="en-US" dirty="0"/>
           </a:p>
         </p:txBody>
@@ -4218,14 +2986,6 @@
           </a:bodyPr>
           <a:lstStyle/>
           <a:p>
-            <a:r>
-              <a:rPr lang="en-US" altLang="zh-CN" dirty="0" smtClean="0"/>
-              <a:t>The coupling of the software switch to</a:t>
-            </a:r>
-            <a:r>
-              <a:rPr lang="en-US" altLang="zh-CN" baseline="0" dirty="0" smtClean="0"/>
-              <a:t> the control VM introduces vulnerabilities. Since the software switch often run in the kernel space in order to achieve high performance, if a malicious customer attacks the software switch and causes it to crash, it may also cause the control VM to crash, which can lead to a disaster to the whole system.</a:t>
-            </a:r>
             <a:endParaRPr lang="zh-CN" altLang="en-US" dirty="0"/>
           </a:p>
         </p:txBody>
@@ -4444,7 +3204,7 @@
             <a:fld id="{F5520576-081C-422C-A359-FAA9946E6193}" type="datetimeFigureOut">
               <a:rPr lang="zh-CN" altLang="en-US" smtClean="0"/>
               <a:pPr/>
-              <a:t>2012/5/1</a:t>
+              <a:t>3/18/14</a:t>
             </a:fld>
             <a:endParaRPr lang="zh-CN" altLang="en-US"/>
           </a:p>
@@ -4619,7 +3379,7 @@
             <a:fld id="{F5520576-081C-422C-A359-FAA9946E6193}" type="datetimeFigureOut">
               <a:rPr lang="zh-CN" altLang="en-US" smtClean="0"/>
               <a:pPr/>
-              <a:t>2012/5/1</a:t>
+              <a:t>3/18/14</a:t>
             </a:fld>
             <a:endParaRPr lang="zh-CN" altLang="en-US"/>
           </a:p>
@@ -4796,7 +3556,7 @@
             <a:fld id="{F5520576-081C-422C-A359-FAA9946E6193}" type="datetimeFigureOut">
               <a:rPr lang="zh-CN" altLang="en-US" smtClean="0"/>
               <a:pPr/>
-              <a:t>2012/5/1</a:t>
+              <a:t>3/18/14</a:t>
             </a:fld>
             <a:endParaRPr lang="zh-CN" altLang="en-US"/>
           </a:p>
@@ -4963,7 +3723,7 @@
             <a:fld id="{F5520576-081C-422C-A359-FAA9946E6193}" type="datetimeFigureOut">
               <a:rPr lang="zh-CN" altLang="en-US" smtClean="0"/>
               <a:pPr/>
-              <a:t>2012/5/1</a:t>
+              <a:t>3/18/14</a:t>
             </a:fld>
             <a:endParaRPr lang="zh-CN" altLang="en-US"/>
           </a:p>
@@ -5206,7 +3966,7 @@
             <a:fld id="{F5520576-081C-422C-A359-FAA9946E6193}" type="datetimeFigureOut">
               <a:rPr lang="zh-CN" altLang="en-US" smtClean="0"/>
               <a:pPr/>
-              <a:t>2012/5/1</a:t>
+              <a:t>3/18/14</a:t>
             </a:fld>
             <a:endParaRPr lang="zh-CN" altLang="en-US"/>
           </a:p>
@@ -5491,7 +4251,7 @@
             <a:fld id="{F5520576-081C-422C-A359-FAA9946E6193}" type="datetimeFigureOut">
               <a:rPr lang="zh-CN" altLang="en-US" smtClean="0"/>
               <a:pPr/>
-              <a:t>2012/5/1</a:t>
+              <a:t>3/18/14</a:t>
             </a:fld>
             <a:endParaRPr lang="zh-CN" altLang="en-US"/>
           </a:p>
@@ -5910,7 +4670,7 @@
             <a:fld id="{F5520576-081C-422C-A359-FAA9946E6193}" type="datetimeFigureOut">
               <a:rPr lang="zh-CN" altLang="en-US" smtClean="0"/>
               <a:pPr/>
-              <a:t>2012/5/1</a:t>
+              <a:t>3/18/14</a:t>
             </a:fld>
             <a:endParaRPr lang="zh-CN" altLang="en-US"/>
           </a:p>
@@ -6025,7 +4785,7 @@
             <a:fld id="{F5520576-081C-422C-A359-FAA9946E6193}" type="datetimeFigureOut">
               <a:rPr lang="zh-CN" altLang="en-US" smtClean="0"/>
               <a:pPr/>
-              <a:t>2012/5/1</a:t>
+              <a:t>3/18/14</a:t>
             </a:fld>
             <a:endParaRPr lang="zh-CN" altLang="en-US"/>
           </a:p>
@@ -6117,7 +4877,7 @@
             <a:fld id="{F5520576-081C-422C-A359-FAA9946E6193}" type="datetimeFigureOut">
               <a:rPr lang="zh-CN" altLang="en-US" smtClean="0"/>
               <a:pPr/>
-              <a:t>2012/5/1</a:t>
+              <a:t>3/18/14</a:t>
             </a:fld>
             <a:endParaRPr lang="zh-CN" altLang="en-US"/>
           </a:p>
@@ -6391,7 +5151,7 @@
             <a:fld id="{F5520576-081C-422C-A359-FAA9946E6193}" type="datetimeFigureOut">
               <a:rPr lang="zh-CN" altLang="en-US" smtClean="0"/>
               <a:pPr/>
-              <a:t>2012/5/1</a:t>
+              <a:t>3/18/14</a:t>
             </a:fld>
             <a:endParaRPr lang="zh-CN" altLang="en-US"/>
           </a:p>
@@ -6641,7 +5401,7 @@
             <a:fld id="{F5520576-081C-422C-A359-FAA9946E6193}" type="datetimeFigureOut">
               <a:rPr lang="zh-CN" altLang="en-US" smtClean="0"/>
               <a:pPr/>
-              <a:t>2012/5/1</a:t>
+              <a:t>3/18/14</a:t>
             </a:fld>
             <a:endParaRPr lang="zh-CN" altLang="en-US"/>
           </a:p>
@@ -6851,7 +5611,7 @@
             <a:fld id="{F5520576-081C-422C-A359-FAA9946E6193}" type="datetimeFigureOut">
               <a:rPr lang="zh-CN" altLang="en-US" smtClean="0"/>
               <a:pPr/>
-              <a:t>2012/5/1</a:t>
+              <a:t>3/18/14</a:t>
             </a:fld>
             <a:endParaRPr lang="zh-CN" altLang="en-US"/>
           </a:p>
@@ -7417,11 +6177,11 @@
   <p:clrMapOvr>
     <a:masterClrMapping/>
   </p:clrMapOvr>
-  <p:transition/>
+  <p:transition xmlns:p14="http://schemas.microsoft.com/office/powerpoint/2010/main"/>
   <p:timing>
     <p:tnLst>
       <p:par>
-        <p:cTn id="1" dur="indefinite" restart="never" nodeType="tmRoot"/>
+        <p:cTn xmlns:p14="http://schemas.microsoft.com/office/powerpoint/2010/main" id="1" dur="indefinite" restart="never" nodeType="tmRoot"/>
       </p:par>
     </p:tnLst>
   </p:timing>
@@ -8861,7 +7621,7 @@
   <p:timing>
     <p:tnLst>
       <p:par>
-        <p:cTn id="1" dur="indefinite" restart="never" nodeType="tmRoot">
+        <p:cTn xmlns:p14="http://schemas.microsoft.com/office/powerpoint/2010/main" id="1" dur="indefinite" restart="never" nodeType="tmRoot">
           <p:childTnLst>
             <p:seq concurrent="1" nextAc="seek">
               <p:cTn id="2" dur="indefinite" nodeType="mainSeq">
@@ -11023,7 +9783,7 @@
   <p:timing>
     <p:tnLst>
       <p:par>
-        <p:cTn id="1" dur="indefinite" restart="never" nodeType="tmRoot"/>
+        <p:cTn xmlns:p14="http://schemas.microsoft.com/office/powerpoint/2010/main" id="1" dur="indefinite" restart="never" nodeType="tmRoot"/>
       </p:par>
     </p:tnLst>
   </p:timing>
@@ -13236,7 +11996,7 @@
   <p:timing>
     <p:tnLst>
       <p:par>
-        <p:cTn id="1" dur="indefinite" restart="never" nodeType="tmRoot">
+        <p:cTn xmlns:p14="http://schemas.microsoft.com/office/powerpoint/2010/main" id="1" dur="indefinite" restart="never" nodeType="tmRoot">
           <p:childTnLst>
             <p:seq concurrent="1" nextAc="seek">
               <p:cTn id="2" dur="indefinite" nodeType="mainSeq">
@@ -16186,7 +14946,7 @@
   <p:timing>
     <p:tnLst>
       <p:par>
-        <p:cTn id="1" dur="indefinite" restart="never" nodeType="tmRoot"/>
+        <p:cTn xmlns:p14="http://schemas.microsoft.com/office/powerpoint/2010/main" id="1" dur="indefinite" restart="never" nodeType="tmRoot"/>
       </p:par>
     </p:tnLst>
   </p:timing>
@@ -17766,7 +16526,7 @@
   <p:timing>
     <p:tnLst>
       <p:par>
-        <p:cTn id="1" dur="indefinite" restart="never" nodeType="tmRoot">
+        <p:cTn xmlns:p14="http://schemas.microsoft.com/office/powerpoint/2010/main" id="1" dur="indefinite" restart="never" nodeType="tmRoot">
           <p:childTnLst>
             <p:seq concurrent="1" nextAc="seek">
               <p:cTn id="2" dur="indefinite" nodeType="mainSeq">
@@ -22624,7 +21384,7 @@
   <p:timing>
     <p:tnLst>
       <p:par>
-        <p:cTn id="1" dur="indefinite" restart="never" nodeType="tmRoot">
+        <p:cTn xmlns:p14="http://schemas.microsoft.com/office/powerpoint/2010/main" id="1" dur="indefinite" restart="never" nodeType="tmRoot">
           <p:childTnLst>
             <p:seq concurrent="1" nextAc="seek">
               <p:cTn id="2" dur="indefinite" nodeType="mainSeq">
@@ -25765,7 +24525,7 @@
   <p:timing>
     <p:tnLst>
       <p:par>
-        <p:cTn id="1" dur="indefinite" restart="never" nodeType="tmRoot"/>
+        <p:cTn xmlns:p14="http://schemas.microsoft.com/office/powerpoint/2010/main" id="1" dur="indefinite" restart="never" nodeType="tmRoot"/>
       </p:par>
     </p:tnLst>
   </p:timing>
@@ -28460,7 +27220,7 @@
   <p:timing>
     <p:tnLst>
       <p:par>
-        <p:cTn id="1" dur="indefinite" restart="never" nodeType="tmRoot"/>
+        <p:cTn xmlns:p14="http://schemas.microsoft.com/office/powerpoint/2010/main" id="1" dur="indefinite" restart="never" nodeType="tmRoot"/>
       </p:par>
     </p:tnLst>
   </p:timing>
@@ -28638,7 +27398,7 @@
   <p:timing>
     <p:tnLst>
       <p:par>
-        <p:cTn id="1" dur="indefinite" restart="never" nodeType="tmRoot"/>
+        <p:cTn xmlns:p14="http://schemas.microsoft.com/office/powerpoint/2010/main" id="1" dur="indefinite" restart="never" nodeType="tmRoot"/>
       </p:par>
     </p:tnLst>
   </p:timing>
@@ -28795,7 +27555,7 @@
   <p:timing>
     <p:tnLst>
       <p:par>
-        <p:cTn id="1" dur="indefinite" restart="never" nodeType="tmRoot"/>
+        <p:cTn xmlns:p14="http://schemas.microsoft.com/office/powerpoint/2010/main" id="1" dur="indefinite" restart="never" nodeType="tmRoot"/>
       </p:par>
     </p:tnLst>
   </p:timing>
@@ -29131,7 +27891,7 @@
   <p:timing>
     <p:tnLst>
       <p:par>
-        <p:cTn id="1" dur="indefinite" restart="never" nodeType="tmRoot"/>
+        <p:cTn xmlns:p14="http://schemas.microsoft.com/office/powerpoint/2010/main" id="1" dur="indefinite" restart="never" nodeType="tmRoot"/>
       </p:par>
     </p:tnLst>
   </p:timing>
@@ -29276,7 +28036,7 @@
   <p:timing>
     <p:tnLst>
       <p:par>
-        <p:cTn id="1" dur="indefinite" restart="never" nodeType="tmRoot">
+        <p:cTn xmlns:p14="http://schemas.microsoft.com/office/powerpoint/2010/main" id="1" dur="indefinite" restart="never" nodeType="tmRoot">
           <p:childTnLst>
             <p:seq concurrent="1" nextAc="seek">
               <p:cTn id="2" dur="indefinite" nodeType="mainSeq">
@@ -29498,7 +28258,7 @@
     </p:spTree>
     <p:extLst>
       <p:ext uri="{BB962C8B-B14F-4D97-AF65-F5344CB8AC3E}">
-        <p14:creationId xmlns:p14="http://schemas.microsoft.com/office/powerpoint/2010/main" xmlns="" val="1703870413"/>
+        <p14:creationId xmlns:p14="http://schemas.microsoft.com/office/powerpoint/2010/main" val="1703870413"/>
       </p:ext>
     </p:extLst>
   </p:cSld>
@@ -29508,7 +28268,7 @@
   <p:timing>
     <p:tnLst>
       <p:par>
-        <p:cTn id="1" dur="indefinite" restart="never" nodeType="tmRoot"/>
+        <p:cTn xmlns:p14="http://schemas.microsoft.com/office/powerpoint/2010/main" id="1" dur="indefinite" restart="never" nodeType="tmRoot"/>
       </p:par>
     </p:tnLst>
   </p:timing>
@@ -29992,7 +28752,7 @@
   <p:timing>
     <p:tnLst>
       <p:par>
-        <p:cTn id="1" dur="indefinite" restart="never" nodeType="tmRoot"/>
+        <p:cTn xmlns:p14="http://schemas.microsoft.com/office/powerpoint/2010/main" id="1" dur="indefinite" restart="never" nodeType="tmRoot"/>
       </p:par>
     </p:tnLst>
   </p:timing>
@@ -30533,7 +29293,7 @@
   <p:timing>
     <p:tnLst>
       <p:par>
-        <p:cTn id="1" dur="indefinite" restart="never" nodeType="tmRoot"/>
+        <p:cTn xmlns:p14="http://schemas.microsoft.com/office/powerpoint/2010/main" id="1" dur="indefinite" restart="never" nodeType="tmRoot"/>
       </p:par>
     </p:tnLst>
   </p:timing>
@@ -30752,7 +29512,7 @@
   <p:timing>
     <p:tnLst>
       <p:par>
-        <p:cTn id="1" dur="indefinite" restart="never" nodeType="tmRoot">
+        <p:cTn xmlns:p14="http://schemas.microsoft.com/office/powerpoint/2010/main" id="1" dur="indefinite" restart="never" nodeType="tmRoot">
           <p:childTnLst>
             <p:seq concurrent="1" nextAc="seek">
               <p:cTn id="2" dur="indefinite" nodeType="mainSeq">
@@ -31556,7 +30316,7 @@
   <p:timing>
     <p:tnLst>
       <p:par>
-        <p:cTn id="1" dur="indefinite" restart="never" nodeType="tmRoot"/>
+        <p:cTn xmlns:p14="http://schemas.microsoft.com/office/powerpoint/2010/main" id="1" dur="indefinite" restart="never" nodeType="tmRoot"/>
       </p:par>
     </p:tnLst>
   </p:timing>
@@ -32534,7 +31294,7 @@
   <p:timing>
     <p:tnLst>
       <p:par>
-        <p:cTn id="1" dur="indefinite" restart="never" nodeType="tmRoot">
+        <p:cTn xmlns:p14="http://schemas.microsoft.com/office/powerpoint/2010/main" id="1" dur="indefinite" restart="never" nodeType="tmRoot">
           <p:childTnLst>
             <p:seq concurrent="1" nextAc="seek">
               <p:cTn id="2" dur="indefinite" nodeType="mainSeq">
@@ -35505,7 +34265,7 @@
   <p:timing>
     <p:tnLst>
       <p:par>
-        <p:cTn id="1" dur="indefinite" restart="never" nodeType="tmRoot"/>
+        <p:cTn xmlns:p14="http://schemas.microsoft.com/office/powerpoint/2010/main" id="1" dur="indefinite" restart="never" nodeType="tmRoot"/>
       </p:par>
     </p:tnLst>
   </p:timing>
@@ -38314,7 +37074,7 @@
   <p:timing>
     <p:tnLst>
       <p:par>
-        <p:cTn id="1" dur="indefinite" restart="never" nodeType="tmRoot">
+        <p:cTn xmlns:p14="http://schemas.microsoft.com/office/powerpoint/2010/main" id="1" dur="indefinite" restart="never" nodeType="tmRoot">
           <p:childTnLst>
             <p:seq concurrent="1" nextAc="seek">
               <p:cTn id="2" dur="indefinite" nodeType="mainSeq">
